--- a/Documentation/DOCS/Is it Moist - Presentation.pptx
+++ b/Documentation/DOCS/Is it Moist - Presentation.pptx
@@ -1,6 +1,6 @@
 
 <file path=ppt/presentation.xml><?xml version="1.0" encoding="utf-8"?>
-<p:presentation xmlns:a="http://schemas.openxmlformats.org/drawingml/2006/main" xmlns:r="http://schemas.openxmlformats.org/officeDocument/2006/relationships" xmlns:p="http://schemas.openxmlformats.org/presentationml/2006/main" autoCompressPictures="0">
+<p:presentation xmlns:a="http://schemas.openxmlformats.org/drawingml/2006/main" xmlns:r="http://schemas.openxmlformats.org/officeDocument/2006/relationships" xmlns:p="http://schemas.openxmlformats.org/presentationml/2006/main" embedTrueTypeFonts="1" autoCompressPictures="0">
   <p:sldMasterIdLst>
     <p:sldMasterId id="2147483648" r:id="rId1"/>
   </p:sldMasterIdLst>
@@ -13,6 +13,22 @@
   </p:sldIdLst>
   <p:sldSz cx="12192000" cy="6858000"/>
   <p:notesSz cx="6858000" cy="9144000"/>
+  <p:embeddedFontLst>
+    <p:embeddedFont>
+      <p:font typeface="Tw Cen MT" panose="020B0602020104020603" pitchFamily="34" charset="0"/>
+      <p:regular r:id="rId7"/>
+      <p:bold r:id="rId8"/>
+      <p:italic r:id="rId9"/>
+      <p:boldItalic r:id="rId10"/>
+    </p:embeddedFont>
+    <p:embeddedFont>
+      <p:font typeface="Trebuchet MS" panose="020B0603020202020204" pitchFamily="34" charset="0"/>
+      <p:regular r:id="rId11"/>
+      <p:bold r:id="rId12"/>
+      <p:italic r:id="rId13"/>
+      <p:boldItalic r:id="rId14"/>
+    </p:embeddedFont>
+  </p:embeddedFontLst>
   <p:defaultTextStyle>
     <a:defPPr>
       <a:defRPr lang="en-US"/>
@@ -170,7 +186,7 @@
           <a:noFill/>
           <a:extLst>
             <a:ext uri="{909E8E84-426E-40dd-AFC4-6F175D3DCCD1}">
-              <a14:hiddenFill xmlns="" xmlns:a14="http://schemas.microsoft.com/office/drawing/2010/main">
+              <a14:hiddenFill xmlns:a14="http://schemas.microsoft.com/office/drawing/2010/main" xmlns="">
                 <a:solidFill>
                   <a:srgbClr val="FFFFFF"/>
                 </a:solidFill>
@@ -230,7 +246,7 @@
             </a:ln>
             <a:extLst>
               <a:ext uri="{91240B29-F687-4f45-9708-019B960494DF}">
-                <a14:hiddenLine xmlns="" xmlns:a14="http://schemas.microsoft.com/office/drawing/2010/main" w="9525">
+                <a14:hiddenLine xmlns:a14="http://schemas.microsoft.com/office/drawing/2010/main" xmlns="" w="9525">
                   <a:solidFill>
                     <a:srgbClr val="000000"/>
                   </a:solidFill>
@@ -320,7 +336,7 @@
             </a:ln>
             <a:extLst>
               <a:ext uri="{91240B29-F687-4f45-9708-019B960494DF}">
-                <a14:hiddenLine xmlns="" xmlns:a14="http://schemas.microsoft.com/office/drawing/2010/main" w="9525">
+                <a14:hiddenLine xmlns:a14="http://schemas.microsoft.com/office/drawing/2010/main" xmlns="" w="9525">
                   <a:solidFill>
                     <a:srgbClr val="000000"/>
                   </a:solidFill>
@@ -410,7 +426,7 @@
             </a:ln>
             <a:extLst>
               <a:ext uri="{91240B29-F687-4f45-9708-019B960494DF}">
-                <a14:hiddenLine xmlns="" xmlns:a14="http://schemas.microsoft.com/office/drawing/2010/main" w="9525">
+                <a14:hiddenLine xmlns:a14="http://schemas.microsoft.com/office/drawing/2010/main" xmlns="" w="9525">
                   <a:solidFill>
                     <a:srgbClr val="000000"/>
                   </a:solidFill>
@@ -444,7 +460,7 @@
             </a:ln>
             <a:extLst>
               <a:ext uri="{91240B29-F687-4f45-9708-019B960494DF}">
-                <a14:hiddenLine xmlns="" xmlns:a14="http://schemas.microsoft.com/office/drawing/2010/main" w="9525">
+                <a14:hiddenLine xmlns:a14="http://schemas.microsoft.com/office/drawing/2010/main" xmlns="" w="9525">
                   <a:solidFill>
                     <a:srgbClr val="000000"/>
                   </a:solidFill>
@@ -534,7 +550,7 @@
             </a:ln>
             <a:extLst>
               <a:ext uri="{91240B29-F687-4f45-9708-019B960494DF}">
-                <a14:hiddenLine xmlns="" xmlns:a14="http://schemas.microsoft.com/office/drawing/2010/main" w="9525">
+                <a14:hiddenLine xmlns:a14="http://schemas.microsoft.com/office/drawing/2010/main" xmlns="" w="9525">
                   <a:solidFill>
                     <a:srgbClr val="000000"/>
                   </a:solidFill>
@@ -596,7 +612,7 @@
             </a:ln>
             <a:extLst>
               <a:ext uri="{91240B29-F687-4f45-9708-019B960494DF}">
-                <a14:hiddenLine xmlns="" xmlns:a14="http://schemas.microsoft.com/office/drawing/2010/main" w="9525">
+                <a14:hiddenLine xmlns:a14="http://schemas.microsoft.com/office/drawing/2010/main" xmlns="" w="9525">
                   <a:solidFill>
                     <a:srgbClr val="000000"/>
                   </a:solidFill>
@@ -658,7 +674,7 @@
             </a:ln>
             <a:extLst>
               <a:ext uri="{91240B29-F687-4f45-9708-019B960494DF}">
-                <a14:hiddenLine xmlns="" xmlns:a14="http://schemas.microsoft.com/office/drawing/2010/main" w="9525">
+                <a14:hiddenLine xmlns:a14="http://schemas.microsoft.com/office/drawing/2010/main" xmlns="" w="9525">
                   <a:solidFill>
                     <a:srgbClr val="000000"/>
                   </a:solidFill>
@@ -748,7 +764,7 @@
             </a:ln>
             <a:extLst>
               <a:ext uri="{91240B29-F687-4f45-9708-019B960494DF}">
-                <a14:hiddenLine xmlns="" xmlns:a14="http://schemas.microsoft.com/office/drawing/2010/main" w="9525">
+                <a14:hiddenLine xmlns:a14="http://schemas.microsoft.com/office/drawing/2010/main" xmlns="" w="9525">
                   <a:solidFill>
                     <a:srgbClr val="000000"/>
                   </a:solidFill>
@@ -810,7 +826,7 @@
             </a:ln>
             <a:extLst>
               <a:ext uri="{91240B29-F687-4f45-9708-019B960494DF}">
-                <a14:hiddenLine xmlns="" xmlns:a14="http://schemas.microsoft.com/office/drawing/2010/main" w="9525">
+                <a14:hiddenLine xmlns:a14="http://schemas.microsoft.com/office/drawing/2010/main" xmlns="" w="9525">
                   <a:solidFill>
                     <a:srgbClr val="000000"/>
                   </a:solidFill>
@@ -872,7 +888,7 @@
             </a:ln>
             <a:extLst>
               <a:ext uri="{91240B29-F687-4f45-9708-019B960494DF}">
-                <a14:hiddenLine xmlns="" xmlns:a14="http://schemas.microsoft.com/office/drawing/2010/main" w="9525">
+                <a14:hiddenLine xmlns:a14="http://schemas.microsoft.com/office/drawing/2010/main" xmlns="" w="9525">
                   <a:solidFill>
                     <a:srgbClr val="000000"/>
                   </a:solidFill>
@@ -962,7 +978,7 @@
             </a:ln>
             <a:extLst>
               <a:ext uri="{91240B29-F687-4f45-9708-019B960494DF}">
-                <a14:hiddenLine xmlns="" xmlns:a14="http://schemas.microsoft.com/office/drawing/2010/main" w="9525">
+                <a14:hiddenLine xmlns:a14="http://schemas.microsoft.com/office/drawing/2010/main" xmlns="" w="9525">
                   <a:solidFill>
                     <a:srgbClr val="000000"/>
                   </a:solidFill>
@@ -1052,7 +1068,7 @@
             </a:ln>
             <a:extLst>
               <a:ext uri="{91240B29-F687-4f45-9708-019B960494DF}">
-                <a14:hiddenLine xmlns="" xmlns:a14="http://schemas.microsoft.com/office/drawing/2010/main" w="9525">
+                <a14:hiddenLine xmlns:a14="http://schemas.microsoft.com/office/drawing/2010/main" xmlns="" w="9525">
                   <a:solidFill>
                     <a:srgbClr val="000000"/>
                   </a:solidFill>
@@ -1114,7 +1130,7 @@
             </a:ln>
             <a:extLst>
               <a:ext uri="{91240B29-F687-4f45-9708-019B960494DF}">
-                <a14:hiddenLine xmlns="" xmlns:a14="http://schemas.microsoft.com/office/drawing/2010/main" w="9525">
+                <a14:hiddenLine xmlns:a14="http://schemas.microsoft.com/office/drawing/2010/main" xmlns="" w="9525">
                   <a:solidFill>
                     <a:srgbClr val="000000"/>
                   </a:solidFill>
@@ -1224,7 +1240,7 @@
             </a:ln>
             <a:extLst>
               <a:ext uri="{91240B29-F687-4f45-9708-019B960494DF}">
-                <a14:hiddenLine xmlns="" xmlns:a14="http://schemas.microsoft.com/office/drawing/2010/main" w="9525">
+                <a14:hiddenLine xmlns:a14="http://schemas.microsoft.com/office/drawing/2010/main" xmlns="" w="9525">
                   <a:solidFill>
                     <a:srgbClr val="000000"/>
                   </a:solidFill>
@@ -1286,7 +1302,7 @@
             </a:ln>
             <a:extLst>
               <a:ext uri="{91240B29-F687-4f45-9708-019B960494DF}">
-                <a14:hiddenLine xmlns="" xmlns:a14="http://schemas.microsoft.com/office/drawing/2010/main" w="9525">
+                <a14:hiddenLine xmlns:a14="http://schemas.microsoft.com/office/drawing/2010/main" xmlns="" w="9525">
                   <a:solidFill>
                     <a:srgbClr val="000000"/>
                   </a:solidFill>
@@ -1376,7 +1392,7 @@
             </a:ln>
             <a:extLst>
               <a:ext uri="{91240B29-F687-4f45-9708-019B960494DF}">
-                <a14:hiddenLine xmlns="" xmlns:a14="http://schemas.microsoft.com/office/drawing/2010/main" w="9525">
+                <a14:hiddenLine xmlns:a14="http://schemas.microsoft.com/office/drawing/2010/main" xmlns="" w="9525">
                   <a:solidFill>
                     <a:srgbClr val="000000"/>
                   </a:solidFill>
@@ -1466,7 +1482,7 @@
             </a:ln>
             <a:extLst>
               <a:ext uri="{91240B29-F687-4f45-9708-019B960494DF}">
-                <a14:hiddenLine xmlns="" xmlns:a14="http://schemas.microsoft.com/office/drawing/2010/main" w="9525">
+                <a14:hiddenLine xmlns:a14="http://schemas.microsoft.com/office/drawing/2010/main" xmlns="" w="9525">
                   <a:solidFill>
                     <a:srgbClr val="000000"/>
                   </a:solidFill>
@@ -1528,7 +1544,7 @@
             </a:ln>
             <a:extLst>
               <a:ext uri="{91240B29-F687-4f45-9708-019B960494DF}">
-                <a14:hiddenLine xmlns="" xmlns:a14="http://schemas.microsoft.com/office/drawing/2010/main" w="9525">
+                <a14:hiddenLine xmlns:a14="http://schemas.microsoft.com/office/drawing/2010/main" xmlns="" w="9525">
                   <a:solidFill>
                     <a:srgbClr val="000000"/>
                   </a:solidFill>
@@ -1618,7 +1634,7 @@
             </a:ln>
             <a:extLst>
               <a:ext uri="{91240B29-F687-4f45-9708-019B960494DF}">
-                <a14:hiddenLine xmlns="" xmlns:a14="http://schemas.microsoft.com/office/drawing/2010/main" w="9525">
+                <a14:hiddenLine xmlns:a14="http://schemas.microsoft.com/office/drawing/2010/main" xmlns="" w="9525">
                   <a:solidFill>
                     <a:srgbClr val="000000"/>
                   </a:solidFill>
@@ -1708,7 +1724,7 @@
             </a:ln>
             <a:extLst>
               <a:ext uri="{91240B29-F687-4f45-9708-019B960494DF}">
-                <a14:hiddenLine xmlns="" xmlns:a14="http://schemas.microsoft.com/office/drawing/2010/main" w="9525">
+                <a14:hiddenLine xmlns:a14="http://schemas.microsoft.com/office/drawing/2010/main" xmlns="" w="9525">
                   <a:solidFill>
                     <a:srgbClr val="000000"/>
                   </a:solidFill>
@@ -1764,7 +1780,7 @@
             </a:ln>
             <a:extLst>
               <a:ext uri="{91240B29-F687-4f45-9708-019B960494DF}">
-                <a14:hiddenLine xmlns="" xmlns:a14="http://schemas.microsoft.com/office/drawing/2010/main" w="9525">
+                <a14:hiddenLine xmlns:a14="http://schemas.microsoft.com/office/drawing/2010/main" xmlns="" w="9525">
                   <a:solidFill>
                     <a:srgbClr val="000000"/>
                   </a:solidFill>
@@ -1854,7 +1870,7 @@
             </a:ln>
             <a:extLst>
               <a:ext uri="{91240B29-F687-4f45-9708-019B960494DF}">
-                <a14:hiddenLine xmlns="" xmlns:a14="http://schemas.microsoft.com/office/drawing/2010/main" w="9525">
+                <a14:hiddenLine xmlns:a14="http://schemas.microsoft.com/office/drawing/2010/main" xmlns="" w="9525">
                   <a:solidFill>
                     <a:srgbClr val="000000"/>
                   </a:solidFill>
@@ -1910,7 +1926,7 @@
             </a:ln>
             <a:extLst>
               <a:ext uri="{91240B29-F687-4f45-9708-019B960494DF}">
-                <a14:hiddenLine xmlns="" xmlns:a14="http://schemas.microsoft.com/office/drawing/2010/main" w="9525">
+                <a14:hiddenLine xmlns:a14="http://schemas.microsoft.com/office/drawing/2010/main" xmlns="" w="9525">
                   <a:solidFill>
                     <a:srgbClr val="000000"/>
                   </a:solidFill>
@@ -2000,7 +2016,7 @@
             </a:ln>
             <a:extLst>
               <a:ext uri="{91240B29-F687-4f45-9708-019B960494DF}">
-                <a14:hiddenLine xmlns="" xmlns:a14="http://schemas.microsoft.com/office/drawing/2010/main" w="9525">
+                <a14:hiddenLine xmlns:a14="http://schemas.microsoft.com/office/drawing/2010/main" xmlns="" w="9525">
                   <a:solidFill>
                     <a:srgbClr val="000000"/>
                   </a:solidFill>
@@ -2068,7 +2084,7 @@
             </a:ln>
             <a:extLst>
               <a:ext uri="{91240B29-F687-4f45-9708-019B960494DF}">
-                <a14:hiddenLine xmlns="" xmlns:a14="http://schemas.microsoft.com/office/drawing/2010/main" w="9525">
+                <a14:hiddenLine xmlns:a14="http://schemas.microsoft.com/office/drawing/2010/main" xmlns="" w="9525">
                   <a:solidFill>
                     <a:srgbClr val="000000"/>
                   </a:solidFill>
@@ -2158,7 +2174,7 @@
             </a:ln>
             <a:extLst>
               <a:ext uri="{91240B29-F687-4f45-9708-019B960494DF}">
-                <a14:hiddenLine xmlns="" xmlns:a14="http://schemas.microsoft.com/office/drawing/2010/main" w="9525">
+                <a14:hiddenLine xmlns:a14="http://schemas.microsoft.com/office/drawing/2010/main" xmlns="" w="9525">
                   <a:solidFill>
                     <a:srgbClr val="000000"/>
                   </a:solidFill>
@@ -2226,7 +2242,7 @@
             </a:ln>
             <a:extLst>
               <a:ext uri="{91240B29-F687-4f45-9708-019B960494DF}">
-                <a14:hiddenLine xmlns="" xmlns:a14="http://schemas.microsoft.com/office/drawing/2010/main" w="9525">
+                <a14:hiddenLine xmlns:a14="http://schemas.microsoft.com/office/drawing/2010/main" xmlns="" w="9525">
                   <a:solidFill>
                     <a:srgbClr val="000000"/>
                   </a:solidFill>
@@ -2316,7 +2332,7 @@
             </a:ln>
             <a:extLst>
               <a:ext uri="{91240B29-F687-4f45-9708-019B960494DF}">
-                <a14:hiddenLine xmlns="" xmlns:a14="http://schemas.microsoft.com/office/drawing/2010/main" w="9525">
+                <a14:hiddenLine xmlns:a14="http://schemas.microsoft.com/office/drawing/2010/main" xmlns="" w="9525">
                   <a:solidFill>
                     <a:srgbClr val="000000"/>
                   </a:solidFill>
@@ -2350,7 +2366,7 @@
             </a:ln>
             <a:extLst>
               <a:ext uri="{91240B29-F687-4f45-9708-019B960494DF}">
-                <a14:hiddenLine xmlns="" xmlns:a14="http://schemas.microsoft.com/office/drawing/2010/main" w="9525">
+                <a14:hiddenLine xmlns:a14="http://schemas.microsoft.com/office/drawing/2010/main" xmlns="" w="9525">
                   <a:solidFill>
                     <a:srgbClr val="000000"/>
                   </a:solidFill>
@@ -2440,7 +2456,7 @@
             </a:ln>
             <a:extLst>
               <a:ext uri="{91240B29-F687-4f45-9708-019B960494DF}">
-                <a14:hiddenLine xmlns="" xmlns:a14="http://schemas.microsoft.com/office/drawing/2010/main" w="9525">
+                <a14:hiddenLine xmlns:a14="http://schemas.microsoft.com/office/drawing/2010/main" xmlns="" w="9525">
                   <a:solidFill>
                     <a:srgbClr val="000000"/>
                   </a:solidFill>
@@ -2502,7 +2518,7 @@
             </a:ln>
             <a:extLst>
               <a:ext uri="{91240B29-F687-4f45-9708-019B960494DF}">
-                <a14:hiddenLine xmlns="" xmlns:a14="http://schemas.microsoft.com/office/drawing/2010/main" w="9525">
+                <a14:hiddenLine xmlns:a14="http://schemas.microsoft.com/office/drawing/2010/main" xmlns="" w="9525">
                   <a:solidFill>
                     <a:srgbClr val="000000"/>
                   </a:solidFill>
@@ -2564,7 +2580,7 @@
             </a:ln>
             <a:extLst>
               <a:ext uri="{91240B29-F687-4f45-9708-019B960494DF}">
-                <a14:hiddenLine xmlns="" xmlns:a14="http://schemas.microsoft.com/office/drawing/2010/main" w="9525">
+                <a14:hiddenLine xmlns:a14="http://schemas.microsoft.com/office/drawing/2010/main" xmlns="" w="9525">
                   <a:solidFill>
                     <a:srgbClr val="000000"/>
                   </a:solidFill>
@@ -2654,7 +2670,7 @@
             </a:ln>
             <a:extLst>
               <a:ext uri="{91240B29-F687-4f45-9708-019B960494DF}">
-                <a14:hiddenLine xmlns="" xmlns:a14="http://schemas.microsoft.com/office/drawing/2010/main" w="9525">
+                <a14:hiddenLine xmlns:a14="http://schemas.microsoft.com/office/drawing/2010/main" xmlns="" w="9525">
                   <a:solidFill>
                     <a:srgbClr val="000000"/>
                   </a:solidFill>
@@ -2722,7 +2738,7 @@
             </a:ln>
             <a:extLst>
               <a:ext uri="{91240B29-F687-4f45-9708-019B960494DF}">
-                <a14:hiddenLine xmlns="" xmlns:a14="http://schemas.microsoft.com/office/drawing/2010/main" w="9525">
+                <a14:hiddenLine xmlns:a14="http://schemas.microsoft.com/office/drawing/2010/main" xmlns="" w="9525">
                   <a:solidFill>
                     <a:srgbClr val="000000"/>
                   </a:solidFill>
@@ -2784,7 +2800,7 @@
             </a:ln>
             <a:extLst>
               <a:ext uri="{91240B29-F687-4f45-9708-019B960494DF}">
-                <a14:hiddenLine xmlns="" xmlns:a14="http://schemas.microsoft.com/office/drawing/2010/main" w="9525">
+                <a14:hiddenLine xmlns:a14="http://schemas.microsoft.com/office/drawing/2010/main" xmlns="" w="9525">
                   <a:solidFill>
                     <a:srgbClr val="000000"/>
                   </a:solidFill>
@@ -2874,7 +2890,7 @@
             </a:ln>
             <a:extLst>
               <a:ext uri="{91240B29-F687-4f45-9708-019B960494DF}">
-                <a14:hiddenLine xmlns="" xmlns:a14="http://schemas.microsoft.com/office/drawing/2010/main" w="9525">
+                <a14:hiddenLine xmlns:a14="http://schemas.microsoft.com/office/drawing/2010/main" xmlns="" w="9525">
                   <a:solidFill>
                     <a:srgbClr val="000000"/>
                   </a:solidFill>
@@ -2936,7 +2952,7 @@
             </a:ln>
             <a:extLst>
               <a:ext uri="{91240B29-F687-4f45-9708-019B960494DF}">
-                <a14:hiddenLine xmlns="" xmlns:a14="http://schemas.microsoft.com/office/drawing/2010/main" w="9525">
+                <a14:hiddenLine xmlns:a14="http://schemas.microsoft.com/office/drawing/2010/main" xmlns="" w="9525">
                   <a:solidFill>
                     <a:srgbClr val="000000"/>
                   </a:solidFill>
@@ -3026,7 +3042,7 @@
             </a:ln>
             <a:extLst>
               <a:ext uri="{91240B29-F687-4f45-9708-019B960494DF}">
-                <a14:hiddenLine xmlns="" xmlns:a14="http://schemas.microsoft.com/office/drawing/2010/main" w="9525">
+                <a14:hiddenLine xmlns:a14="http://schemas.microsoft.com/office/drawing/2010/main" xmlns="" w="9525">
                   <a:solidFill>
                     <a:srgbClr val="000000"/>
                   </a:solidFill>
@@ -3088,7 +3104,7 @@
             </a:ln>
             <a:extLst>
               <a:ext uri="{91240B29-F687-4f45-9708-019B960494DF}">
-                <a14:hiddenLine xmlns="" xmlns:a14="http://schemas.microsoft.com/office/drawing/2010/main" w="9525">
+                <a14:hiddenLine xmlns:a14="http://schemas.microsoft.com/office/drawing/2010/main" xmlns="" w="9525">
                   <a:solidFill>
                     <a:srgbClr val="000000"/>
                   </a:solidFill>
@@ -3178,7 +3194,7 @@
             </a:ln>
             <a:extLst>
               <a:ext uri="{91240B29-F687-4f45-9708-019B960494DF}">
-                <a14:hiddenLine xmlns="" xmlns:a14="http://schemas.microsoft.com/office/drawing/2010/main" w="9525">
+                <a14:hiddenLine xmlns:a14="http://schemas.microsoft.com/office/drawing/2010/main" xmlns="" w="9525">
                   <a:solidFill>
                     <a:srgbClr val="000000"/>
                   </a:solidFill>
@@ -3212,7 +3228,7 @@
             </a:ln>
             <a:extLst>
               <a:ext uri="{91240B29-F687-4f45-9708-019B960494DF}">
-                <a14:hiddenLine xmlns="" xmlns:a14="http://schemas.microsoft.com/office/drawing/2010/main" w="9525">
+                <a14:hiddenLine xmlns:a14="http://schemas.microsoft.com/office/drawing/2010/main" xmlns="" w="9525">
                   <a:solidFill>
                     <a:srgbClr val="000000"/>
                   </a:solidFill>
@@ -3277,7 +3293,7 @@
             </a:ln>
             <a:extLst>
               <a:ext uri="{91240B29-F687-4f45-9708-019B960494DF}">
-                <a14:hiddenLine xmlns="" xmlns:a14="http://schemas.microsoft.com/office/drawing/2010/main" w="9525">
+                <a14:hiddenLine xmlns:a14="http://schemas.microsoft.com/office/drawing/2010/main" xmlns="" w="9525">
                   <a:solidFill>
                     <a:srgbClr val="000000"/>
                   </a:solidFill>
@@ -3367,7 +3383,7 @@
             </a:ln>
             <a:extLst>
               <a:ext uri="{91240B29-F687-4f45-9708-019B960494DF}">
-                <a14:hiddenLine xmlns="" xmlns:a14="http://schemas.microsoft.com/office/drawing/2010/main" w="9525">
+                <a14:hiddenLine xmlns:a14="http://schemas.microsoft.com/office/drawing/2010/main" xmlns="" w="9525">
                   <a:solidFill>
                     <a:srgbClr val="000000"/>
                   </a:solidFill>
@@ -3429,7 +3445,7 @@
             </a:ln>
             <a:extLst>
               <a:ext uri="{91240B29-F687-4f45-9708-019B960494DF}">
-                <a14:hiddenLine xmlns="" xmlns:a14="http://schemas.microsoft.com/office/drawing/2010/main" w="9525">
+                <a14:hiddenLine xmlns:a14="http://schemas.microsoft.com/office/drawing/2010/main" xmlns="" w="9525">
                   <a:solidFill>
                     <a:srgbClr val="000000"/>
                   </a:solidFill>
@@ -3519,7 +3535,7 @@
             </a:ln>
             <a:extLst>
               <a:ext uri="{91240B29-F687-4f45-9708-019B960494DF}">
-                <a14:hiddenLine xmlns="" xmlns:a14="http://schemas.microsoft.com/office/drawing/2010/main" w="9525">
+                <a14:hiddenLine xmlns:a14="http://schemas.microsoft.com/office/drawing/2010/main" xmlns="" w="9525">
                   <a:solidFill>
                     <a:srgbClr val="000000"/>
                   </a:solidFill>
@@ -3609,7 +3625,7 @@
             </a:ln>
             <a:extLst>
               <a:ext uri="{91240B29-F687-4f45-9708-019B960494DF}">
-                <a14:hiddenLine xmlns="" xmlns:a14="http://schemas.microsoft.com/office/drawing/2010/main" w="9525">
+                <a14:hiddenLine xmlns:a14="http://schemas.microsoft.com/office/drawing/2010/main" xmlns="" w="9525">
                   <a:solidFill>
                     <a:srgbClr val="000000"/>
                   </a:solidFill>
@@ -3674,7 +3690,7 @@
             </a:ln>
             <a:extLst>
               <a:ext uri="{91240B29-F687-4f45-9708-019B960494DF}">
-                <a14:hiddenLine xmlns="" xmlns:a14="http://schemas.microsoft.com/office/drawing/2010/main" w="9525">
+                <a14:hiddenLine xmlns:a14="http://schemas.microsoft.com/office/drawing/2010/main" xmlns="" w="9525">
                   <a:solidFill>
                     <a:srgbClr val="000000"/>
                   </a:solidFill>
@@ -3736,7 +3752,7 @@
             </a:ln>
             <a:extLst>
               <a:ext uri="{91240B29-F687-4f45-9708-019B960494DF}">
-                <a14:hiddenLine xmlns="" xmlns:a14="http://schemas.microsoft.com/office/drawing/2010/main" w="9525">
+                <a14:hiddenLine xmlns:a14="http://schemas.microsoft.com/office/drawing/2010/main" xmlns="" w="9525">
                   <a:solidFill>
                     <a:srgbClr val="000000"/>
                   </a:solidFill>
@@ -3826,7 +3842,7 @@
             </a:ln>
             <a:extLst>
               <a:ext uri="{91240B29-F687-4f45-9708-019B960494DF}">
-                <a14:hiddenLine xmlns="" xmlns:a14="http://schemas.microsoft.com/office/drawing/2010/main" w="9525">
+                <a14:hiddenLine xmlns:a14="http://schemas.microsoft.com/office/drawing/2010/main" xmlns="" w="9525">
                   <a:solidFill>
                     <a:srgbClr val="000000"/>
                   </a:solidFill>
@@ -3916,7 +3932,7 @@
             </a:ln>
             <a:extLst>
               <a:ext uri="{91240B29-F687-4f45-9708-019B960494DF}">
-                <a14:hiddenLine xmlns="" xmlns:a14="http://schemas.microsoft.com/office/drawing/2010/main" w="9525">
+                <a14:hiddenLine xmlns:a14="http://schemas.microsoft.com/office/drawing/2010/main" xmlns="" w="9525">
                   <a:solidFill>
                     <a:srgbClr val="000000"/>
                   </a:solidFill>
@@ -3978,7 +3994,7 @@
             </a:ln>
             <a:extLst>
               <a:ext uri="{91240B29-F687-4f45-9708-019B960494DF}">
-                <a14:hiddenLine xmlns="" xmlns:a14="http://schemas.microsoft.com/office/drawing/2010/main" w="9525">
+                <a14:hiddenLine xmlns:a14="http://schemas.microsoft.com/office/drawing/2010/main" xmlns="" w="9525">
                   <a:solidFill>
                     <a:srgbClr val="000000"/>
                   </a:solidFill>
@@ -4098,7 +4114,7 @@
             </a:ln>
             <a:extLst>
               <a:ext uri="{91240B29-F687-4f45-9708-019B960494DF}">
-                <a14:hiddenLine xmlns="" xmlns:a14="http://schemas.microsoft.com/office/drawing/2010/main" w="9525">
+                <a14:hiddenLine xmlns:a14="http://schemas.microsoft.com/office/drawing/2010/main" xmlns="" w="9525">
                   <a:solidFill>
                     <a:srgbClr val="000000"/>
                   </a:solidFill>
@@ -4166,7 +4182,7 @@
             </a:ln>
             <a:extLst>
               <a:ext uri="{91240B29-F687-4f45-9708-019B960494DF}">
-                <a14:hiddenLine xmlns="" xmlns:a14="http://schemas.microsoft.com/office/drawing/2010/main" w="9525">
+                <a14:hiddenLine xmlns:a14="http://schemas.microsoft.com/office/drawing/2010/main" xmlns="" w="9525">
                   <a:solidFill>
                     <a:srgbClr val="000000"/>
                   </a:solidFill>
@@ -4256,7 +4272,7 @@
             </a:ln>
             <a:extLst>
               <a:ext uri="{91240B29-F687-4f45-9708-019B960494DF}">
-                <a14:hiddenLine xmlns="" xmlns:a14="http://schemas.microsoft.com/office/drawing/2010/main" w="9525">
+                <a14:hiddenLine xmlns:a14="http://schemas.microsoft.com/office/drawing/2010/main" xmlns="" w="9525">
                   <a:solidFill>
                     <a:srgbClr val="000000"/>
                   </a:solidFill>
@@ -8973,7 +8989,7 @@
           <a:noFill/>
           <a:extLst>
             <a:ext uri="{909E8E84-426E-40dd-AFC4-6F175D3DCCD1}">
-              <a14:hiddenFill xmlns="" xmlns:a14="http://schemas.microsoft.com/office/drawing/2010/main">
+              <a14:hiddenFill xmlns:a14="http://schemas.microsoft.com/office/drawing/2010/main" xmlns="">
                 <a:solidFill>
                   <a:srgbClr val="FFFFFF"/>
                 </a:solidFill>
@@ -9047,7 +9063,7 @@
               </a:ln>
               <a:extLst>
                 <a:ext uri="{91240B29-F687-4f45-9708-019B960494DF}">
-                  <a14:hiddenLine xmlns="" xmlns:a14="http://schemas.microsoft.com/office/drawing/2010/main" w="9525">
+                  <a14:hiddenLine xmlns:a14="http://schemas.microsoft.com/office/drawing/2010/main" xmlns="" w="9525">
                     <a:solidFill>
                       <a:srgbClr val="000000"/>
                     </a:solidFill>
@@ -9137,7 +9153,7 @@
               </a:ln>
               <a:extLst>
                 <a:ext uri="{91240B29-F687-4f45-9708-019B960494DF}">
-                  <a14:hiddenLine xmlns="" xmlns:a14="http://schemas.microsoft.com/office/drawing/2010/main" w="9525">
+                  <a14:hiddenLine xmlns:a14="http://schemas.microsoft.com/office/drawing/2010/main" xmlns="" w="9525">
                     <a:solidFill>
                       <a:srgbClr val="000000"/>
                     </a:solidFill>
@@ -9227,7 +9243,7 @@
               </a:ln>
               <a:extLst>
                 <a:ext uri="{91240B29-F687-4f45-9708-019B960494DF}">
-                  <a14:hiddenLine xmlns="" xmlns:a14="http://schemas.microsoft.com/office/drawing/2010/main" w="9525">
+                  <a14:hiddenLine xmlns:a14="http://schemas.microsoft.com/office/drawing/2010/main" xmlns="" w="9525">
                     <a:solidFill>
                       <a:srgbClr val="000000"/>
                     </a:solidFill>
@@ -9289,7 +9305,7 @@
               </a:ln>
               <a:extLst>
                 <a:ext uri="{91240B29-F687-4f45-9708-019B960494DF}">
-                  <a14:hiddenLine xmlns="" xmlns:a14="http://schemas.microsoft.com/office/drawing/2010/main" w="9525">
+                  <a14:hiddenLine xmlns:a14="http://schemas.microsoft.com/office/drawing/2010/main" xmlns="" w="9525">
                     <a:solidFill>
                       <a:srgbClr val="000000"/>
                     </a:solidFill>
@@ -9379,7 +9395,7 @@
               </a:ln>
               <a:extLst>
                 <a:ext uri="{91240B29-F687-4f45-9708-019B960494DF}">
-                  <a14:hiddenLine xmlns="" xmlns:a14="http://schemas.microsoft.com/office/drawing/2010/main" w="9525">
+                  <a14:hiddenLine xmlns:a14="http://schemas.microsoft.com/office/drawing/2010/main" xmlns="" w="9525">
                     <a:solidFill>
                       <a:srgbClr val="000000"/>
                     </a:solidFill>
@@ -9441,7 +9457,7 @@
               </a:ln>
               <a:extLst>
                 <a:ext uri="{91240B29-F687-4f45-9708-019B960494DF}">
-                  <a14:hiddenLine xmlns="" xmlns:a14="http://schemas.microsoft.com/office/drawing/2010/main" w="9525">
+                  <a14:hiddenLine xmlns:a14="http://schemas.microsoft.com/office/drawing/2010/main" xmlns="" w="9525">
                     <a:solidFill>
                       <a:srgbClr val="000000"/>
                     </a:solidFill>
@@ -9503,7 +9519,7 @@
               </a:ln>
               <a:extLst>
                 <a:ext uri="{91240B29-F687-4f45-9708-019B960494DF}">
-                  <a14:hiddenLine xmlns="" xmlns:a14="http://schemas.microsoft.com/office/drawing/2010/main" w="9525">
+                  <a14:hiddenLine xmlns:a14="http://schemas.microsoft.com/office/drawing/2010/main" xmlns="" w="9525">
                     <a:solidFill>
                       <a:srgbClr val="000000"/>
                     </a:solidFill>
@@ -9593,7 +9609,7 @@
               </a:ln>
               <a:extLst>
                 <a:ext uri="{91240B29-F687-4f45-9708-019B960494DF}">
-                  <a14:hiddenLine xmlns="" xmlns:a14="http://schemas.microsoft.com/office/drawing/2010/main" w="9525">
+                  <a14:hiddenLine xmlns:a14="http://schemas.microsoft.com/office/drawing/2010/main" xmlns="" w="9525">
                     <a:solidFill>
                       <a:srgbClr val="000000"/>
                     </a:solidFill>
@@ -9683,7 +9699,7 @@
               </a:ln>
               <a:extLst>
                 <a:ext uri="{91240B29-F687-4f45-9708-019B960494DF}">
-                  <a14:hiddenLine xmlns="" xmlns:a14="http://schemas.microsoft.com/office/drawing/2010/main" w="9525">
+                  <a14:hiddenLine xmlns:a14="http://schemas.microsoft.com/office/drawing/2010/main" xmlns="" w="9525">
                     <a:solidFill>
                       <a:srgbClr val="000000"/>
                     </a:solidFill>
@@ -9745,7 +9761,7 @@
               </a:ln>
               <a:extLst>
                 <a:ext uri="{91240B29-F687-4f45-9708-019B960494DF}">
-                  <a14:hiddenLine xmlns="" xmlns:a14="http://schemas.microsoft.com/office/drawing/2010/main" w="9525">
+                  <a14:hiddenLine xmlns:a14="http://schemas.microsoft.com/office/drawing/2010/main" xmlns="" w="9525">
                     <a:solidFill>
                       <a:srgbClr val="000000"/>
                     </a:solidFill>
@@ -9855,7 +9871,7 @@
               </a:ln>
               <a:extLst>
                 <a:ext uri="{91240B29-F687-4f45-9708-019B960494DF}">
-                  <a14:hiddenLine xmlns="" xmlns:a14="http://schemas.microsoft.com/office/drawing/2010/main" w="9525">
+                  <a14:hiddenLine xmlns:a14="http://schemas.microsoft.com/office/drawing/2010/main" xmlns="" w="9525">
                     <a:solidFill>
                       <a:srgbClr val="000000"/>
                     </a:solidFill>
@@ -9939,7 +9955,7 @@
               </a:ln>
               <a:extLst>
                 <a:ext uri="{91240B29-F687-4f45-9708-019B960494DF}">
-                  <a14:hiddenLine xmlns="" xmlns:a14="http://schemas.microsoft.com/office/drawing/2010/main" w="9525">
+                  <a14:hiddenLine xmlns:a14="http://schemas.microsoft.com/office/drawing/2010/main" xmlns="" w="9525">
                     <a:solidFill>
                       <a:srgbClr val="000000"/>
                     </a:solidFill>
@@ -10001,7 +10017,7 @@
               </a:ln>
               <a:extLst>
                 <a:ext uri="{91240B29-F687-4f45-9708-019B960494DF}">
-                  <a14:hiddenLine xmlns="" xmlns:a14="http://schemas.microsoft.com/office/drawing/2010/main" w="9525">
+                  <a14:hiddenLine xmlns:a14="http://schemas.microsoft.com/office/drawing/2010/main" xmlns="" w="9525">
                     <a:solidFill>
                       <a:srgbClr val="000000"/>
                     </a:solidFill>
@@ -10063,7 +10079,7 @@
               </a:ln>
               <a:extLst>
                 <a:ext uri="{91240B29-F687-4f45-9708-019B960494DF}">
-                  <a14:hiddenLine xmlns="" xmlns:a14="http://schemas.microsoft.com/office/drawing/2010/main" w="9525">
+                  <a14:hiddenLine xmlns:a14="http://schemas.microsoft.com/office/drawing/2010/main" xmlns="" w="9525">
                     <a:solidFill>
                       <a:srgbClr val="000000"/>
                     </a:solidFill>
@@ -10153,7 +10169,7 @@
               </a:ln>
               <a:extLst>
                 <a:ext uri="{91240B29-F687-4f45-9708-019B960494DF}">
-                  <a14:hiddenLine xmlns="" xmlns:a14="http://schemas.microsoft.com/office/drawing/2010/main" w="9525">
+                  <a14:hiddenLine xmlns:a14="http://schemas.microsoft.com/office/drawing/2010/main" xmlns="" w="9525">
                     <a:solidFill>
                       <a:srgbClr val="000000"/>
                     </a:solidFill>
@@ -10187,7 +10203,7 @@
               </a:ln>
               <a:extLst>
                 <a:ext uri="{91240B29-F687-4f45-9708-019B960494DF}">
-                  <a14:hiddenLine xmlns="" xmlns:a14="http://schemas.microsoft.com/office/drawing/2010/main" w="9525">
+                  <a14:hiddenLine xmlns:a14="http://schemas.microsoft.com/office/drawing/2010/main" xmlns="" w="9525">
                     <a:solidFill>
                       <a:srgbClr val="000000"/>
                     </a:solidFill>
@@ -10252,7 +10268,7 @@
               </a:ln>
               <a:extLst>
                 <a:ext uri="{91240B29-F687-4f45-9708-019B960494DF}">
-                  <a14:hiddenLine xmlns="" xmlns:a14="http://schemas.microsoft.com/office/drawing/2010/main" w="9525">
+                  <a14:hiddenLine xmlns:a14="http://schemas.microsoft.com/office/drawing/2010/main" xmlns="" w="9525">
                     <a:solidFill>
                       <a:srgbClr val="000000"/>
                     </a:solidFill>
@@ -10342,7 +10358,7 @@
               </a:ln>
               <a:extLst>
                 <a:ext uri="{91240B29-F687-4f45-9708-019B960494DF}">
-                  <a14:hiddenLine xmlns="" xmlns:a14="http://schemas.microsoft.com/office/drawing/2010/main" w="9525">
+                  <a14:hiddenLine xmlns:a14="http://schemas.microsoft.com/office/drawing/2010/main" xmlns="" w="9525">
                     <a:solidFill>
                       <a:srgbClr val="000000"/>
                     </a:solidFill>
@@ -10404,7 +10420,7 @@
               </a:ln>
               <a:extLst>
                 <a:ext uri="{91240B29-F687-4f45-9708-019B960494DF}">
-                  <a14:hiddenLine xmlns="" xmlns:a14="http://schemas.microsoft.com/office/drawing/2010/main" w="9525">
+                  <a14:hiddenLine xmlns:a14="http://schemas.microsoft.com/office/drawing/2010/main" xmlns="" w="9525">
                     <a:solidFill>
                       <a:srgbClr val="000000"/>
                     </a:solidFill>
@@ -10494,7 +10510,7 @@
               </a:ln>
               <a:extLst>
                 <a:ext uri="{91240B29-F687-4f45-9708-019B960494DF}">
-                  <a14:hiddenLine xmlns="" xmlns:a14="http://schemas.microsoft.com/office/drawing/2010/main" w="9525">
+                  <a14:hiddenLine xmlns:a14="http://schemas.microsoft.com/office/drawing/2010/main" xmlns="" w="9525">
                     <a:solidFill>
                       <a:srgbClr val="000000"/>
                     </a:solidFill>
@@ -10559,7 +10575,7 @@
               </a:ln>
               <a:extLst>
                 <a:ext uri="{91240B29-F687-4f45-9708-019B960494DF}">
-                  <a14:hiddenLine xmlns="" xmlns:a14="http://schemas.microsoft.com/office/drawing/2010/main" w="9525">
+                  <a14:hiddenLine xmlns:a14="http://schemas.microsoft.com/office/drawing/2010/main" xmlns="" w="9525">
                     <a:solidFill>
                       <a:srgbClr val="000000"/>
                     </a:solidFill>
@@ -10621,7 +10637,7 @@
               </a:ln>
               <a:extLst>
                 <a:ext uri="{91240B29-F687-4f45-9708-019B960494DF}">
-                  <a14:hiddenLine xmlns="" xmlns:a14="http://schemas.microsoft.com/office/drawing/2010/main" w="9525">
+                  <a14:hiddenLine xmlns:a14="http://schemas.microsoft.com/office/drawing/2010/main" xmlns="" w="9525">
                     <a:solidFill>
                       <a:srgbClr val="000000"/>
                     </a:solidFill>
@@ -10711,7 +10727,7 @@
               </a:ln>
               <a:extLst>
                 <a:ext uri="{91240B29-F687-4f45-9708-019B960494DF}">
-                  <a14:hiddenLine xmlns="" xmlns:a14="http://schemas.microsoft.com/office/drawing/2010/main" w="9525">
+                  <a14:hiddenLine xmlns:a14="http://schemas.microsoft.com/office/drawing/2010/main" xmlns="" w="9525">
                     <a:solidFill>
                       <a:srgbClr val="000000"/>
                     </a:solidFill>
@@ -10801,7 +10817,7 @@
               </a:ln>
               <a:extLst>
                 <a:ext uri="{91240B29-F687-4f45-9708-019B960494DF}">
-                  <a14:hiddenLine xmlns="" xmlns:a14="http://schemas.microsoft.com/office/drawing/2010/main" w="9525">
+                  <a14:hiddenLine xmlns:a14="http://schemas.microsoft.com/office/drawing/2010/main" xmlns="" w="9525">
                     <a:solidFill>
                       <a:srgbClr val="000000"/>
                     </a:solidFill>
@@ -10866,7 +10882,7 @@
               </a:ln>
               <a:extLst>
                 <a:ext uri="{91240B29-F687-4f45-9708-019B960494DF}">
-                  <a14:hiddenLine xmlns="" xmlns:a14="http://schemas.microsoft.com/office/drawing/2010/main" w="9525">
+                  <a14:hiddenLine xmlns:a14="http://schemas.microsoft.com/office/drawing/2010/main" xmlns="" w="9525">
                     <a:solidFill>
                       <a:srgbClr val="000000"/>
                     </a:solidFill>
@@ -10986,7 +11002,7 @@
               </a:ln>
               <a:extLst>
                 <a:ext uri="{91240B29-F687-4f45-9708-019B960494DF}">
-                  <a14:hiddenLine xmlns="" xmlns:a14="http://schemas.microsoft.com/office/drawing/2010/main" w="9525">
+                  <a14:hiddenLine xmlns:a14="http://schemas.microsoft.com/office/drawing/2010/main" xmlns="" w="9525">
                     <a:solidFill>
                       <a:srgbClr val="000000"/>
                     </a:solidFill>
@@ -11084,7 +11100,7 @@
               </a:ln>
               <a:extLst>
                 <a:ext uri="{91240B29-F687-4f45-9708-019B960494DF}">
-                  <a14:hiddenLine xmlns="" xmlns:a14="http://schemas.microsoft.com/office/drawing/2010/main" w="9525">
+                  <a14:hiddenLine xmlns:a14="http://schemas.microsoft.com/office/drawing/2010/main" xmlns="" w="9525">
                     <a:solidFill>
                       <a:srgbClr val="000000"/>
                     </a:solidFill>
@@ -11199,7 +11215,7 @@
               </a:ln>
               <a:extLst>
                 <a:ext uri="{91240B29-F687-4f45-9708-019B960494DF}">
-                  <a14:hiddenLine xmlns="" xmlns:a14="http://schemas.microsoft.com/office/drawing/2010/main" w="9525">
+                  <a14:hiddenLine xmlns:a14="http://schemas.microsoft.com/office/drawing/2010/main" xmlns="" w="9525">
                     <a:solidFill>
                       <a:srgbClr val="000000"/>
                     </a:solidFill>
@@ -11289,7 +11305,7 @@
               </a:ln>
               <a:extLst>
                 <a:ext uri="{91240B29-F687-4f45-9708-019B960494DF}">
-                  <a14:hiddenLine xmlns="" xmlns:a14="http://schemas.microsoft.com/office/drawing/2010/main" w="9525">
+                  <a14:hiddenLine xmlns:a14="http://schemas.microsoft.com/office/drawing/2010/main" xmlns="" w="9525">
                     <a:solidFill>
                       <a:srgbClr val="000000"/>
                     </a:solidFill>
@@ -11354,7 +11370,7 @@
               </a:ln>
               <a:extLst>
                 <a:ext uri="{91240B29-F687-4f45-9708-019B960494DF}">
-                  <a14:hiddenLine xmlns="" xmlns:a14="http://schemas.microsoft.com/office/drawing/2010/main" w="9525">
+                  <a14:hiddenLine xmlns:a14="http://schemas.microsoft.com/office/drawing/2010/main" xmlns="" w="9525">
                     <a:solidFill>
                       <a:srgbClr val="000000"/>
                     </a:solidFill>
@@ -11444,7 +11460,7 @@
               </a:ln>
               <a:extLst>
                 <a:ext uri="{91240B29-F687-4f45-9708-019B960494DF}">
-                  <a14:hiddenLine xmlns="" xmlns:a14="http://schemas.microsoft.com/office/drawing/2010/main" w="9525">
+                  <a14:hiddenLine xmlns:a14="http://schemas.microsoft.com/office/drawing/2010/main" xmlns="" w="9525">
                     <a:solidFill>
                       <a:srgbClr val="000000"/>
                     </a:solidFill>
@@ -11512,7 +11528,7 @@
               </a:ln>
               <a:extLst>
                 <a:ext uri="{91240B29-F687-4f45-9708-019B960494DF}">
-                  <a14:hiddenLine xmlns="" xmlns:a14="http://schemas.microsoft.com/office/drawing/2010/main" w="9525">
+                  <a14:hiddenLine xmlns:a14="http://schemas.microsoft.com/office/drawing/2010/main" xmlns="" w="9525">
                     <a:solidFill>
                       <a:srgbClr val="000000"/>
                     </a:solidFill>
@@ -11602,7 +11618,7 @@
               </a:ln>
               <a:extLst>
                 <a:ext uri="{91240B29-F687-4f45-9708-019B960494DF}">
-                  <a14:hiddenLine xmlns="" xmlns:a14="http://schemas.microsoft.com/office/drawing/2010/main" w="9525">
+                  <a14:hiddenLine xmlns:a14="http://schemas.microsoft.com/office/drawing/2010/main" xmlns="" w="9525">
                     <a:solidFill>
                       <a:srgbClr val="000000"/>
                     </a:solidFill>
@@ -11670,7 +11686,7 @@
               </a:ln>
               <a:extLst>
                 <a:ext uri="{91240B29-F687-4f45-9708-019B960494DF}">
-                  <a14:hiddenLine xmlns="" xmlns:a14="http://schemas.microsoft.com/office/drawing/2010/main" w="9525">
+                  <a14:hiddenLine xmlns:a14="http://schemas.microsoft.com/office/drawing/2010/main" xmlns="" w="9525">
                     <a:solidFill>
                       <a:srgbClr val="000000"/>
                     </a:solidFill>
@@ -11760,7 +11776,7 @@
               </a:ln>
               <a:extLst>
                 <a:ext uri="{91240B29-F687-4f45-9708-019B960494DF}">
-                  <a14:hiddenLine xmlns="" xmlns:a14="http://schemas.microsoft.com/office/drawing/2010/main" w="9525">
+                  <a14:hiddenLine xmlns:a14="http://schemas.microsoft.com/office/drawing/2010/main" xmlns="" w="9525">
                     <a:solidFill>
                       <a:srgbClr val="000000"/>
                     </a:solidFill>
@@ -11794,7 +11810,7 @@
               </a:ln>
               <a:extLst>
                 <a:ext uri="{91240B29-F687-4f45-9708-019B960494DF}">
-                  <a14:hiddenLine xmlns="" xmlns:a14="http://schemas.microsoft.com/office/drawing/2010/main" w="9525">
+                  <a14:hiddenLine xmlns:a14="http://schemas.microsoft.com/office/drawing/2010/main" xmlns="" w="9525">
                     <a:solidFill>
                       <a:srgbClr val="000000"/>
                     </a:solidFill>
@@ -12375,8 +12391,32 @@
           <a:lstStyle/>
           <a:p>
             <a:r>
+              <a:rPr lang="en-US" sz="13800" dirty="0"/>
+              <a:t>I</a:t>
+            </a:r>
+            <a:r>
+              <a:rPr lang="en-US" sz="11400" dirty="0"/>
+              <a:t>S</a:t>
+            </a:r>
+            <a:r>
+              <a:rPr lang="en-US" sz="13800" dirty="0"/>
+              <a:t> i</a:t>
+            </a:r>
+            <a:r>
+              <a:rPr lang="en-US" sz="11400" dirty="0"/>
+              <a:t>t</a:t>
+            </a:r>
+            <a:r>
+              <a:rPr lang="en-US" sz="13800" dirty="0"/>
+              <a:t> M</a:t>
+            </a:r>
+            <a:r>
               <a:rPr lang="en-US" sz="11500" dirty="0"/>
-              <a:t>IS it Moist?</a:t>
+              <a:t>oist</a:t>
+            </a:r>
+            <a:r>
+              <a:rPr lang="en-US" sz="13800" dirty="0"/>
+              <a:t>?</a:t>
             </a:r>
           </a:p>
         </p:txBody>
@@ -12404,14 +12444,40 @@
           <a:p>
             <a:r>
               <a:rPr lang="en-US" dirty="0"/>
-              <a:t>Iot moisture sensor</a:t>
+              <a:t>Iot m</a:t>
             </a:r>
+            <a:r>
+              <a:rPr lang="en-US" sz="1800" dirty="0"/>
+              <a:t>oisture</a:t>
+            </a:r>
+            <a:r>
+              <a:rPr lang="en-US" dirty="0"/>
+              <a:t> s</a:t>
+            </a:r>
+            <a:r>
+              <a:rPr lang="en-US" sz="1800" dirty="0"/>
+              <a:t>ensor</a:t>
+            </a:r>
+            <a:endParaRPr lang="en-US" dirty="0"/>
           </a:p>
           <a:p>
             <a:r>
               <a:rPr lang="en-US" sz="1400" dirty="0"/>
-              <a:t>Vivek Socrates</a:t>
+              <a:t>V</a:t>
             </a:r>
+            <a:r>
+              <a:rPr lang="en-US" sz="1100" dirty="0"/>
+              <a:t>ivek</a:t>
+            </a:r>
+            <a:r>
+              <a:rPr lang="en-US" sz="1400" dirty="0"/>
+              <a:t> S</a:t>
+            </a:r>
+            <a:r>
+              <a:rPr lang="en-US" sz="1100" dirty="0"/>
+              <a:t>ocrates</a:t>
+            </a:r>
+            <a:endParaRPr lang="en-US" sz="1400" dirty="0"/>
           </a:p>
         </p:txBody>
       </p:sp>
@@ -12515,7 +12581,7 @@
           <a:noFill/>
           <a:extLst>
             <a:ext uri="{909E8E84-426E-40dd-AFC4-6F175D3DCCD1}">
-              <a14:hiddenFill xmlns="" xmlns:p14="http://schemas.microsoft.com/office/powerpoint/2010/main" xmlns:a14="http://schemas.microsoft.com/office/drawing/2010/main">
+              <a14:hiddenFill xmlns:a14="http://schemas.microsoft.com/office/drawing/2010/main" xmlns:p14="http://schemas.microsoft.com/office/powerpoint/2010/main" xmlns="">
                 <a:solidFill>
                   <a:srgbClr val="FFFFFF"/>
                 </a:solidFill>
@@ -12627,7 +12693,7 @@
               </a:ln>
               <a:extLst>
                 <a:ext uri="{91240B29-F687-4f45-9708-019B960494DF}">
-                  <a14:hiddenLine xmlns="" xmlns:p14="http://schemas.microsoft.com/office/powerpoint/2010/main" xmlns:a14="http://schemas.microsoft.com/office/drawing/2010/main" w="9525">
+                  <a14:hiddenLine xmlns:a14="http://schemas.microsoft.com/office/drawing/2010/main" xmlns:p14="http://schemas.microsoft.com/office/powerpoint/2010/main" xmlns="" w="9525">
                     <a:solidFill>
                       <a:srgbClr val="000000"/>
                     </a:solidFill>
@@ -12729,7 +12795,7 @@
               </a:ln>
               <a:extLst>
                 <a:ext uri="{91240B29-F687-4f45-9708-019B960494DF}">
-                  <a14:hiddenLine xmlns="" xmlns:p14="http://schemas.microsoft.com/office/powerpoint/2010/main" xmlns:a14="http://schemas.microsoft.com/office/drawing/2010/main" w="9525">
+                  <a14:hiddenLine xmlns:a14="http://schemas.microsoft.com/office/drawing/2010/main" xmlns:p14="http://schemas.microsoft.com/office/powerpoint/2010/main" xmlns="" w="9525">
                     <a:solidFill>
                       <a:srgbClr val="000000"/>
                     </a:solidFill>
@@ -12831,7 +12897,7 @@
               </a:ln>
               <a:extLst>
                 <a:ext uri="{91240B29-F687-4f45-9708-019B960494DF}">
-                  <a14:hiddenLine xmlns="" xmlns:p14="http://schemas.microsoft.com/office/powerpoint/2010/main" xmlns:a14="http://schemas.microsoft.com/office/drawing/2010/main" w="9525">
+                  <a14:hiddenLine xmlns:a14="http://schemas.microsoft.com/office/drawing/2010/main" xmlns:p14="http://schemas.microsoft.com/office/powerpoint/2010/main" xmlns="" w="9525">
                     <a:solidFill>
                       <a:srgbClr val="000000"/>
                     </a:solidFill>
@@ -12905,7 +12971,7 @@
               </a:ln>
               <a:extLst>
                 <a:ext uri="{91240B29-F687-4f45-9708-019B960494DF}">
-                  <a14:hiddenLine xmlns="" xmlns:p14="http://schemas.microsoft.com/office/powerpoint/2010/main" xmlns:a14="http://schemas.microsoft.com/office/drawing/2010/main" w="9525">
+                  <a14:hiddenLine xmlns:a14="http://schemas.microsoft.com/office/drawing/2010/main" xmlns:p14="http://schemas.microsoft.com/office/powerpoint/2010/main" xmlns="" w="9525">
                     <a:solidFill>
                       <a:srgbClr val="000000"/>
                     </a:solidFill>
@@ -13007,7 +13073,7 @@
               </a:ln>
               <a:extLst>
                 <a:ext uri="{91240B29-F687-4f45-9708-019B960494DF}">
-                  <a14:hiddenLine xmlns="" xmlns:p14="http://schemas.microsoft.com/office/powerpoint/2010/main" xmlns:a14="http://schemas.microsoft.com/office/drawing/2010/main" w="9525">
+                  <a14:hiddenLine xmlns:a14="http://schemas.microsoft.com/office/drawing/2010/main" xmlns:p14="http://schemas.microsoft.com/office/powerpoint/2010/main" xmlns="" w="9525">
                     <a:solidFill>
                       <a:srgbClr val="000000"/>
                     </a:solidFill>
@@ -13081,7 +13147,7 @@
               </a:ln>
               <a:extLst>
                 <a:ext uri="{91240B29-F687-4f45-9708-019B960494DF}">
-                  <a14:hiddenLine xmlns="" xmlns:p14="http://schemas.microsoft.com/office/powerpoint/2010/main" xmlns:a14="http://schemas.microsoft.com/office/drawing/2010/main" w="9525">
+                  <a14:hiddenLine xmlns:a14="http://schemas.microsoft.com/office/drawing/2010/main" xmlns:p14="http://schemas.microsoft.com/office/powerpoint/2010/main" xmlns="" w="9525">
                     <a:solidFill>
                       <a:srgbClr val="000000"/>
                     </a:solidFill>
@@ -13155,7 +13221,7 @@
               </a:ln>
               <a:extLst>
                 <a:ext uri="{91240B29-F687-4f45-9708-019B960494DF}">
-                  <a14:hiddenLine xmlns="" xmlns:p14="http://schemas.microsoft.com/office/powerpoint/2010/main" xmlns:a14="http://schemas.microsoft.com/office/drawing/2010/main" w="9525">
+                  <a14:hiddenLine xmlns:a14="http://schemas.microsoft.com/office/drawing/2010/main" xmlns:p14="http://schemas.microsoft.com/office/powerpoint/2010/main" xmlns="" w="9525">
                     <a:solidFill>
                       <a:srgbClr val="000000"/>
                     </a:solidFill>
@@ -13257,7 +13323,7 @@
               </a:ln>
               <a:extLst>
                 <a:ext uri="{91240B29-F687-4f45-9708-019B960494DF}">
-                  <a14:hiddenLine xmlns="" xmlns:p14="http://schemas.microsoft.com/office/powerpoint/2010/main" xmlns:a14="http://schemas.microsoft.com/office/drawing/2010/main" w="9525">
+                  <a14:hiddenLine xmlns:a14="http://schemas.microsoft.com/office/drawing/2010/main" xmlns:p14="http://schemas.microsoft.com/office/powerpoint/2010/main" xmlns="" w="9525">
                     <a:solidFill>
                       <a:srgbClr val="000000"/>
                     </a:solidFill>
@@ -13359,7 +13425,7 @@
               </a:ln>
               <a:extLst>
                 <a:ext uri="{91240B29-F687-4f45-9708-019B960494DF}">
-                  <a14:hiddenLine xmlns="" xmlns:p14="http://schemas.microsoft.com/office/powerpoint/2010/main" xmlns:a14="http://schemas.microsoft.com/office/drawing/2010/main" w="9525">
+                  <a14:hiddenLine xmlns:a14="http://schemas.microsoft.com/office/drawing/2010/main" xmlns:p14="http://schemas.microsoft.com/office/powerpoint/2010/main" xmlns="" w="9525">
                     <a:solidFill>
                       <a:srgbClr val="000000"/>
                     </a:solidFill>
@@ -13433,7 +13499,7 @@
               </a:ln>
               <a:extLst>
                 <a:ext uri="{91240B29-F687-4f45-9708-019B960494DF}">
-                  <a14:hiddenLine xmlns="" xmlns:p14="http://schemas.microsoft.com/office/powerpoint/2010/main" xmlns:a14="http://schemas.microsoft.com/office/drawing/2010/main" w="9525">
+                  <a14:hiddenLine xmlns:a14="http://schemas.microsoft.com/office/drawing/2010/main" xmlns:p14="http://schemas.microsoft.com/office/powerpoint/2010/main" xmlns="" w="9525">
                     <a:solidFill>
                       <a:srgbClr val="000000"/>
                     </a:solidFill>
@@ -13555,7 +13621,7 @@
               </a:ln>
               <a:extLst>
                 <a:ext uri="{91240B29-F687-4f45-9708-019B960494DF}">
-                  <a14:hiddenLine xmlns="" xmlns:p14="http://schemas.microsoft.com/office/powerpoint/2010/main" xmlns:a14="http://schemas.microsoft.com/office/drawing/2010/main" w="9525">
+                  <a14:hiddenLine xmlns:a14="http://schemas.microsoft.com/office/drawing/2010/main" xmlns:p14="http://schemas.microsoft.com/office/powerpoint/2010/main" xmlns="" w="9525">
                     <a:solidFill>
                       <a:srgbClr val="000000"/>
                     </a:solidFill>
@@ -13663,7 +13729,7 @@
               </a:ln>
               <a:extLst>
                 <a:ext uri="{91240B29-F687-4f45-9708-019B960494DF}">
-                  <a14:hiddenLine xmlns="" xmlns:p14="http://schemas.microsoft.com/office/powerpoint/2010/main" xmlns:a14="http://schemas.microsoft.com/office/drawing/2010/main" w="9525">
+                  <a14:hiddenLine xmlns:a14="http://schemas.microsoft.com/office/drawing/2010/main" xmlns:p14="http://schemas.microsoft.com/office/powerpoint/2010/main" xmlns="" w="9525">
                     <a:solidFill>
                       <a:srgbClr val="000000"/>
                     </a:solidFill>
@@ -13737,7 +13803,7 @@
               </a:ln>
               <a:extLst>
                 <a:ext uri="{91240B29-F687-4f45-9708-019B960494DF}">
-                  <a14:hiddenLine xmlns="" xmlns:p14="http://schemas.microsoft.com/office/powerpoint/2010/main" xmlns:a14="http://schemas.microsoft.com/office/drawing/2010/main" w="9525">
+                  <a14:hiddenLine xmlns:a14="http://schemas.microsoft.com/office/drawing/2010/main" xmlns:p14="http://schemas.microsoft.com/office/powerpoint/2010/main" xmlns="" w="9525">
                     <a:solidFill>
                       <a:srgbClr val="000000"/>
                     </a:solidFill>
@@ -13811,7 +13877,7 @@
               </a:ln>
               <a:extLst>
                 <a:ext uri="{91240B29-F687-4f45-9708-019B960494DF}">
-                  <a14:hiddenLine xmlns="" xmlns:p14="http://schemas.microsoft.com/office/powerpoint/2010/main" xmlns:a14="http://schemas.microsoft.com/office/drawing/2010/main" w="9525">
+                  <a14:hiddenLine xmlns:a14="http://schemas.microsoft.com/office/drawing/2010/main" xmlns:p14="http://schemas.microsoft.com/office/powerpoint/2010/main" xmlns="" w="9525">
                     <a:solidFill>
                       <a:srgbClr val="000000"/>
                     </a:solidFill>
@@ -13913,7 +13979,7 @@
               </a:ln>
               <a:extLst>
                 <a:ext uri="{91240B29-F687-4f45-9708-019B960494DF}">
-                  <a14:hiddenLine xmlns="" xmlns:p14="http://schemas.microsoft.com/office/powerpoint/2010/main" xmlns:a14="http://schemas.microsoft.com/office/drawing/2010/main" w="9525">
+                  <a14:hiddenLine xmlns:a14="http://schemas.microsoft.com/office/drawing/2010/main" xmlns:p14="http://schemas.microsoft.com/office/powerpoint/2010/main" xmlns="" w="9525">
                     <a:solidFill>
                       <a:srgbClr val="000000"/>
                     </a:solidFill>
@@ -13959,7 +14025,7 @@
               </a:ln>
               <a:extLst>
                 <a:ext uri="{91240B29-F687-4f45-9708-019B960494DF}">
-                  <a14:hiddenLine xmlns="" xmlns:p14="http://schemas.microsoft.com/office/powerpoint/2010/main" xmlns:a14="http://schemas.microsoft.com/office/drawing/2010/main" w="9525">
+                  <a14:hiddenLine xmlns:a14="http://schemas.microsoft.com/office/drawing/2010/main" xmlns:p14="http://schemas.microsoft.com/office/powerpoint/2010/main" xmlns="" w="9525">
                     <a:solidFill>
                       <a:srgbClr val="000000"/>
                     </a:solidFill>
@@ -14036,7 +14102,7 @@
               </a:ln>
               <a:extLst>
                 <a:ext uri="{91240B29-F687-4f45-9708-019B960494DF}">
-                  <a14:hiddenLine xmlns="" xmlns:p14="http://schemas.microsoft.com/office/powerpoint/2010/main" xmlns:a14="http://schemas.microsoft.com/office/drawing/2010/main" w="9525">
+                  <a14:hiddenLine xmlns:a14="http://schemas.microsoft.com/office/drawing/2010/main" xmlns:p14="http://schemas.microsoft.com/office/powerpoint/2010/main" xmlns="" w="9525">
                     <a:solidFill>
                       <a:srgbClr val="000000"/>
                     </a:solidFill>
@@ -14138,7 +14204,7 @@
               </a:ln>
               <a:extLst>
                 <a:ext uri="{91240B29-F687-4f45-9708-019B960494DF}">
-                  <a14:hiddenLine xmlns="" xmlns:p14="http://schemas.microsoft.com/office/powerpoint/2010/main" xmlns:a14="http://schemas.microsoft.com/office/drawing/2010/main" w="9525">
+                  <a14:hiddenLine xmlns:a14="http://schemas.microsoft.com/office/drawing/2010/main" xmlns:p14="http://schemas.microsoft.com/office/powerpoint/2010/main" xmlns="" w="9525">
                     <a:solidFill>
                       <a:srgbClr val="000000"/>
                     </a:solidFill>
@@ -14212,7 +14278,7 @@
               </a:ln>
               <a:extLst>
                 <a:ext uri="{91240B29-F687-4f45-9708-019B960494DF}">
-                  <a14:hiddenLine xmlns="" xmlns:p14="http://schemas.microsoft.com/office/powerpoint/2010/main" xmlns:a14="http://schemas.microsoft.com/office/drawing/2010/main" w="9525">
+                  <a14:hiddenLine xmlns:a14="http://schemas.microsoft.com/office/drawing/2010/main" xmlns:p14="http://schemas.microsoft.com/office/powerpoint/2010/main" xmlns="" w="9525">
                     <a:solidFill>
                       <a:srgbClr val="000000"/>
                     </a:solidFill>
@@ -14314,7 +14380,7 @@
               </a:ln>
               <a:extLst>
                 <a:ext uri="{91240B29-F687-4f45-9708-019B960494DF}">
-                  <a14:hiddenLine xmlns="" xmlns:p14="http://schemas.microsoft.com/office/powerpoint/2010/main" xmlns:a14="http://schemas.microsoft.com/office/drawing/2010/main" w="9525">
+                  <a14:hiddenLine xmlns:a14="http://schemas.microsoft.com/office/drawing/2010/main" xmlns:p14="http://schemas.microsoft.com/office/powerpoint/2010/main" xmlns="" w="9525">
                     <a:solidFill>
                       <a:srgbClr val="000000"/>
                     </a:solidFill>
@@ -14391,7 +14457,7 @@
               </a:ln>
               <a:extLst>
                 <a:ext uri="{91240B29-F687-4f45-9708-019B960494DF}">
-                  <a14:hiddenLine xmlns="" xmlns:p14="http://schemas.microsoft.com/office/powerpoint/2010/main" xmlns:a14="http://schemas.microsoft.com/office/drawing/2010/main" w="9525">
+                  <a14:hiddenLine xmlns:a14="http://schemas.microsoft.com/office/drawing/2010/main" xmlns:p14="http://schemas.microsoft.com/office/powerpoint/2010/main" xmlns="" w="9525">
                     <a:solidFill>
                       <a:srgbClr val="000000"/>
                     </a:solidFill>
@@ -14465,7 +14531,7 @@
               </a:ln>
               <a:extLst>
                 <a:ext uri="{91240B29-F687-4f45-9708-019B960494DF}">
-                  <a14:hiddenLine xmlns="" xmlns:p14="http://schemas.microsoft.com/office/powerpoint/2010/main" xmlns:a14="http://schemas.microsoft.com/office/drawing/2010/main" w="9525">
+                  <a14:hiddenLine xmlns:a14="http://schemas.microsoft.com/office/drawing/2010/main" xmlns:p14="http://schemas.microsoft.com/office/powerpoint/2010/main" xmlns="" w="9525">
                     <a:solidFill>
                       <a:srgbClr val="000000"/>
                     </a:solidFill>
@@ -14567,7 +14633,7 @@
               </a:ln>
               <a:extLst>
                 <a:ext uri="{91240B29-F687-4f45-9708-019B960494DF}">
-                  <a14:hiddenLine xmlns="" xmlns:p14="http://schemas.microsoft.com/office/powerpoint/2010/main" xmlns:a14="http://schemas.microsoft.com/office/drawing/2010/main" w="9525">
+                  <a14:hiddenLine xmlns:a14="http://schemas.microsoft.com/office/drawing/2010/main" xmlns:p14="http://schemas.microsoft.com/office/powerpoint/2010/main" xmlns="" w="9525">
                     <a:solidFill>
                       <a:srgbClr val="000000"/>
                     </a:solidFill>
@@ -14669,7 +14735,7 @@
               </a:ln>
               <a:extLst>
                 <a:ext uri="{91240B29-F687-4f45-9708-019B960494DF}">
-                  <a14:hiddenLine xmlns="" xmlns:p14="http://schemas.microsoft.com/office/powerpoint/2010/main" xmlns:a14="http://schemas.microsoft.com/office/drawing/2010/main" w="9525">
+                  <a14:hiddenLine xmlns:a14="http://schemas.microsoft.com/office/drawing/2010/main" xmlns:p14="http://schemas.microsoft.com/office/powerpoint/2010/main" xmlns="" w="9525">
                     <a:solidFill>
                       <a:srgbClr val="000000"/>
                     </a:solidFill>
@@ -14746,7 +14812,7 @@
               </a:ln>
               <a:extLst>
                 <a:ext uri="{91240B29-F687-4f45-9708-019B960494DF}">
-                  <a14:hiddenLine xmlns="" xmlns:p14="http://schemas.microsoft.com/office/powerpoint/2010/main" xmlns:a14="http://schemas.microsoft.com/office/drawing/2010/main" w="9525">
+                  <a14:hiddenLine xmlns:a14="http://schemas.microsoft.com/office/drawing/2010/main" xmlns:p14="http://schemas.microsoft.com/office/powerpoint/2010/main" xmlns="" w="9525">
                     <a:solidFill>
                       <a:srgbClr val="000000"/>
                     </a:solidFill>
@@ -14878,7 +14944,7 @@
               </a:ln>
               <a:extLst>
                 <a:ext uri="{91240B29-F687-4f45-9708-019B960494DF}">
-                  <a14:hiddenLine xmlns="" xmlns:p14="http://schemas.microsoft.com/office/powerpoint/2010/main" xmlns:a14="http://schemas.microsoft.com/office/drawing/2010/main" w="9525">
+                  <a14:hiddenLine xmlns:a14="http://schemas.microsoft.com/office/drawing/2010/main" xmlns:p14="http://schemas.microsoft.com/office/powerpoint/2010/main" xmlns="" w="9525">
                     <a:solidFill>
                       <a:srgbClr val="000000"/>
                     </a:solidFill>
@@ -15000,7 +15066,7 @@
               </a:ln>
               <a:extLst>
                 <a:ext uri="{91240B29-F687-4f45-9708-019B960494DF}">
-                  <a14:hiddenLine xmlns="" xmlns:p14="http://schemas.microsoft.com/office/powerpoint/2010/main" xmlns:a14="http://schemas.microsoft.com/office/drawing/2010/main" w="9525">
+                  <a14:hiddenLine xmlns:a14="http://schemas.microsoft.com/office/drawing/2010/main" xmlns:p14="http://schemas.microsoft.com/office/powerpoint/2010/main" xmlns="" w="9525">
                     <a:solidFill>
                       <a:srgbClr val="000000"/>
                     </a:solidFill>
@@ -15127,7 +15193,7 @@
               </a:ln>
               <a:extLst>
                 <a:ext uri="{91240B29-F687-4f45-9708-019B960494DF}">
-                  <a14:hiddenLine xmlns="" xmlns:p14="http://schemas.microsoft.com/office/powerpoint/2010/main" xmlns:a14="http://schemas.microsoft.com/office/drawing/2010/main" w="9525">
+                  <a14:hiddenLine xmlns:a14="http://schemas.microsoft.com/office/drawing/2010/main" xmlns:p14="http://schemas.microsoft.com/office/powerpoint/2010/main" xmlns="" w="9525">
                     <a:solidFill>
                       <a:srgbClr val="000000"/>
                     </a:solidFill>
@@ -15229,7 +15295,7 @@
               </a:ln>
               <a:extLst>
                 <a:ext uri="{91240B29-F687-4f45-9708-019B960494DF}">
-                  <a14:hiddenLine xmlns="" xmlns:p14="http://schemas.microsoft.com/office/powerpoint/2010/main" xmlns:a14="http://schemas.microsoft.com/office/drawing/2010/main" w="9525">
+                  <a14:hiddenLine xmlns:a14="http://schemas.microsoft.com/office/drawing/2010/main" xmlns:p14="http://schemas.microsoft.com/office/powerpoint/2010/main" xmlns="" w="9525">
                     <a:solidFill>
                       <a:srgbClr val="000000"/>
                     </a:solidFill>
@@ -15306,7 +15372,7 @@
               </a:ln>
               <a:extLst>
                 <a:ext uri="{91240B29-F687-4f45-9708-019B960494DF}">
-                  <a14:hiddenLine xmlns="" xmlns:p14="http://schemas.microsoft.com/office/powerpoint/2010/main" xmlns:a14="http://schemas.microsoft.com/office/drawing/2010/main" w="9525">
+                  <a14:hiddenLine xmlns:a14="http://schemas.microsoft.com/office/drawing/2010/main" xmlns:p14="http://schemas.microsoft.com/office/powerpoint/2010/main" xmlns="" w="9525">
                     <a:solidFill>
                       <a:srgbClr val="000000"/>
                     </a:solidFill>
@@ -15408,7 +15474,7 @@
               </a:ln>
               <a:extLst>
                 <a:ext uri="{91240B29-F687-4f45-9708-019B960494DF}">
-                  <a14:hiddenLine xmlns="" xmlns:p14="http://schemas.microsoft.com/office/powerpoint/2010/main" xmlns:a14="http://schemas.microsoft.com/office/drawing/2010/main" w="9525">
+                  <a14:hiddenLine xmlns:a14="http://schemas.microsoft.com/office/drawing/2010/main" xmlns:p14="http://schemas.microsoft.com/office/powerpoint/2010/main" xmlns="" w="9525">
                     <a:solidFill>
                       <a:srgbClr val="000000"/>
                     </a:solidFill>
@@ -15488,7 +15554,7 @@
               </a:ln>
               <a:extLst>
                 <a:ext uri="{91240B29-F687-4f45-9708-019B960494DF}">
-                  <a14:hiddenLine xmlns="" xmlns:p14="http://schemas.microsoft.com/office/powerpoint/2010/main" xmlns:a14="http://schemas.microsoft.com/office/drawing/2010/main" w="9525">
+                  <a14:hiddenLine xmlns:a14="http://schemas.microsoft.com/office/drawing/2010/main" xmlns:p14="http://schemas.microsoft.com/office/powerpoint/2010/main" xmlns="" w="9525">
                     <a:solidFill>
                       <a:srgbClr val="000000"/>
                     </a:solidFill>
@@ -15590,7 +15656,7 @@
               </a:ln>
               <a:extLst>
                 <a:ext uri="{91240B29-F687-4f45-9708-019B960494DF}">
-                  <a14:hiddenLine xmlns="" xmlns:p14="http://schemas.microsoft.com/office/powerpoint/2010/main" xmlns:a14="http://schemas.microsoft.com/office/drawing/2010/main" w="9525">
+                  <a14:hiddenLine xmlns:a14="http://schemas.microsoft.com/office/drawing/2010/main" xmlns:p14="http://schemas.microsoft.com/office/powerpoint/2010/main" xmlns="" w="9525">
                     <a:solidFill>
                       <a:srgbClr val="000000"/>
                     </a:solidFill>
@@ -15670,7 +15736,7 @@
               </a:ln>
               <a:extLst>
                 <a:ext uri="{91240B29-F687-4f45-9708-019B960494DF}">
-                  <a14:hiddenLine xmlns="" xmlns:p14="http://schemas.microsoft.com/office/powerpoint/2010/main" xmlns:a14="http://schemas.microsoft.com/office/drawing/2010/main" w="9525">
+                  <a14:hiddenLine xmlns:a14="http://schemas.microsoft.com/office/drawing/2010/main" xmlns:p14="http://schemas.microsoft.com/office/powerpoint/2010/main" xmlns="" w="9525">
                     <a:solidFill>
                       <a:srgbClr val="000000"/>
                     </a:solidFill>
@@ -15772,7 +15838,7 @@
               </a:ln>
               <a:extLst>
                 <a:ext uri="{91240B29-F687-4f45-9708-019B960494DF}">
-                  <a14:hiddenLine xmlns="" xmlns:p14="http://schemas.microsoft.com/office/powerpoint/2010/main" xmlns:a14="http://schemas.microsoft.com/office/drawing/2010/main" w="9525">
+                  <a14:hiddenLine xmlns:a14="http://schemas.microsoft.com/office/drawing/2010/main" xmlns:p14="http://schemas.microsoft.com/office/powerpoint/2010/main" xmlns="" w="9525">
                     <a:solidFill>
                       <a:srgbClr val="000000"/>
                     </a:solidFill>
@@ -15818,7 +15884,7 @@
               </a:ln>
               <a:extLst>
                 <a:ext uri="{91240B29-F687-4f45-9708-019B960494DF}">
-                  <a14:hiddenLine xmlns="" xmlns:p14="http://schemas.microsoft.com/office/powerpoint/2010/main" xmlns:a14="http://schemas.microsoft.com/office/drawing/2010/main" w="9525">
+                  <a14:hiddenLine xmlns:a14="http://schemas.microsoft.com/office/drawing/2010/main" xmlns:p14="http://schemas.microsoft.com/office/powerpoint/2010/main" xmlns="" w="9525">
                     <a:solidFill>
                       <a:srgbClr val="000000"/>
                     </a:solidFill>
@@ -15934,7 +16000,7 @@
           <a:noFill/>
           <a:extLst>
             <a:ext uri="{909E8E84-426E-40dd-AFC4-6F175D3DCCD1}">
-              <a14:hiddenFill xmlns="" xmlns:p14="http://schemas.microsoft.com/office/powerpoint/2010/main" xmlns:a14="http://schemas.microsoft.com/office/drawing/2010/main">
+              <a14:hiddenFill xmlns:a14="http://schemas.microsoft.com/office/drawing/2010/main" xmlns:p14="http://schemas.microsoft.com/office/powerpoint/2010/main" xmlns="">
                 <a:solidFill>
                   <a:srgbClr val="FFFFFF"/>
                 </a:solidFill>
@@ -16070,7 +16136,7 @@
             </a:ln>
             <a:extLst>
               <a:ext uri="{91240B29-F687-4f45-9708-019B960494DF}">
-                <a14:hiddenLine xmlns="" xmlns:p14="http://schemas.microsoft.com/office/powerpoint/2010/main" xmlns:a14="http://schemas.microsoft.com/office/drawing/2010/main" w="9525">
+                <a14:hiddenLine xmlns:a14="http://schemas.microsoft.com/office/drawing/2010/main" xmlns:p14="http://schemas.microsoft.com/office/powerpoint/2010/main" xmlns="" w="9525">
                   <a:solidFill>
                     <a:srgbClr val="000000"/>
                   </a:solidFill>
@@ -16172,7 +16238,7 @@
             </a:ln>
             <a:extLst>
               <a:ext uri="{91240B29-F687-4f45-9708-019B960494DF}">
-                <a14:hiddenLine xmlns="" xmlns:p14="http://schemas.microsoft.com/office/powerpoint/2010/main" xmlns:a14="http://schemas.microsoft.com/office/drawing/2010/main" w="9525">
+                <a14:hiddenLine xmlns:a14="http://schemas.microsoft.com/office/drawing/2010/main" xmlns:p14="http://schemas.microsoft.com/office/powerpoint/2010/main" xmlns="" w="9525">
                   <a:solidFill>
                     <a:srgbClr val="000000"/>
                   </a:solidFill>
@@ -16274,7 +16340,7 @@
             </a:ln>
             <a:extLst>
               <a:ext uri="{91240B29-F687-4f45-9708-019B960494DF}">
-                <a14:hiddenLine xmlns="" xmlns:p14="http://schemas.microsoft.com/office/powerpoint/2010/main" xmlns:a14="http://schemas.microsoft.com/office/drawing/2010/main" w="9525">
+                <a14:hiddenLine xmlns:a14="http://schemas.microsoft.com/office/drawing/2010/main" xmlns:p14="http://schemas.microsoft.com/office/powerpoint/2010/main" xmlns="" w="9525">
                   <a:solidFill>
                     <a:srgbClr val="000000"/>
                   </a:solidFill>
@@ -16348,7 +16414,7 @@
             </a:ln>
             <a:extLst>
               <a:ext uri="{91240B29-F687-4f45-9708-019B960494DF}">
-                <a14:hiddenLine xmlns="" xmlns:p14="http://schemas.microsoft.com/office/powerpoint/2010/main" xmlns:a14="http://schemas.microsoft.com/office/drawing/2010/main" w="9525">
+                <a14:hiddenLine xmlns:a14="http://schemas.microsoft.com/office/drawing/2010/main" xmlns:p14="http://schemas.microsoft.com/office/powerpoint/2010/main" xmlns="" w="9525">
                   <a:solidFill>
                     <a:srgbClr val="000000"/>
                   </a:solidFill>
@@ -16450,7 +16516,7 @@
             </a:ln>
             <a:extLst>
               <a:ext uri="{91240B29-F687-4f45-9708-019B960494DF}">
-                <a14:hiddenLine xmlns="" xmlns:p14="http://schemas.microsoft.com/office/powerpoint/2010/main" xmlns:a14="http://schemas.microsoft.com/office/drawing/2010/main" w="9525">
+                <a14:hiddenLine xmlns:a14="http://schemas.microsoft.com/office/drawing/2010/main" xmlns:p14="http://schemas.microsoft.com/office/powerpoint/2010/main" xmlns="" w="9525">
                   <a:solidFill>
                     <a:srgbClr val="000000"/>
                   </a:solidFill>
@@ -16524,7 +16590,7 @@
             </a:ln>
             <a:extLst>
               <a:ext uri="{91240B29-F687-4f45-9708-019B960494DF}">
-                <a14:hiddenLine xmlns="" xmlns:p14="http://schemas.microsoft.com/office/powerpoint/2010/main" xmlns:a14="http://schemas.microsoft.com/office/drawing/2010/main" w="9525">
+                <a14:hiddenLine xmlns:a14="http://schemas.microsoft.com/office/drawing/2010/main" xmlns:p14="http://schemas.microsoft.com/office/powerpoint/2010/main" xmlns="" w="9525">
                   <a:solidFill>
                     <a:srgbClr val="000000"/>
                   </a:solidFill>
@@ -16598,7 +16664,7 @@
             </a:ln>
             <a:extLst>
               <a:ext uri="{91240B29-F687-4f45-9708-019B960494DF}">
-                <a14:hiddenLine xmlns="" xmlns:p14="http://schemas.microsoft.com/office/powerpoint/2010/main" xmlns:a14="http://schemas.microsoft.com/office/drawing/2010/main" w="9525">
+                <a14:hiddenLine xmlns:a14="http://schemas.microsoft.com/office/drawing/2010/main" xmlns:p14="http://schemas.microsoft.com/office/powerpoint/2010/main" xmlns="" w="9525">
                   <a:solidFill>
                     <a:srgbClr val="000000"/>
                   </a:solidFill>
@@ -16700,7 +16766,7 @@
             </a:ln>
             <a:extLst>
               <a:ext uri="{91240B29-F687-4f45-9708-019B960494DF}">
-                <a14:hiddenLine xmlns="" xmlns:p14="http://schemas.microsoft.com/office/powerpoint/2010/main" xmlns:a14="http://schemas.microsoft.com/office/drawing/2010/main" w="9525">
+                <a14:hiddenLine xmlns:a14="http://schemas.microsoft.com/office/drawing/2010/main" xmlns:p14="http://schemas.microsoft.com/office/powerpoint/2010/main" xmlns="" w="9525">
                   <a:solidFill>
                     <a:srgbClr val="000000"/>
                   </a:solidFill>
@@ -16802,7 +16868,7 @@
             </a:ln>
             <a:extLst>
               <a:ext uri="{91240B29-F687-4f45-9708-019B960494DF}">
-                <a14:hiddenLine xmlns="" xmlns:p14="http://schemas.microsoft.com/office/powerpoint/2010/main" xmlns:a14="http://schemas.microsoft.com/office/drawing/2010/main" w="9525">
+                <a14:hiddenLine xmlns:a14="http://schemas.microsoft.com/office/drawing/2010/main" xmlns:p14="http://schemas.microsoft.com/office/powerpoint/2010/main" xmlns="" w="9525">
                   <a:solidFill>
                     <a:srgbClr val="000000"/>
                   </a:solidFill>
@@ -16876,7 +16942,7 @@
             </a:ln>
             <a:extLst>
               <a:ext uri="{91240B29-F687-4f45-9708-019B960494DF}">
-                <a14:hiddenLine xmlns="" xmlns:p14="http://schemas.microsoft.com/office/powerpoint/2010/main" xmlns:a14="http://schemas.microsoft.com/office/drawing/2010/main" w="9525">
+                <a14:hiddenLine xmlns:a14="http://schemas.microsoft.com/office/drawing/2010/main" xmlns:p14="http://schemas.microsoft.com/office/powerpoint/2010/main" xmlns="" w="9525">
                   <a:solidFill>
                     <a:srgbClr val="000000"/>
                   </a:solidFill>
@@ -16998,7 +17064,7 @@
             </a:ln>
             <a:extLst>
               <a:ext uri="{91240B29-F687-4f45-9708-019B960494DF}">
-                <a14:hiddenLine xmlns="" xmlns:p14="http://schemas.microsoft.com/office/powerpoint/2010/main" xmlns:a14="http://schemas.microsoft.com/office/drawing/2010/main" w="9525">
+                <a14:hiddenLine xmlns:a14="http://schemas.microsoft.com/office/drawing/2010/main" xmlns:p14="http://schemas.microsoft.com/office/powerpoint/2010/main" xmlns="" w="9525">
                   <a:solidFill>
                     <a:srgbClr val="000000"/>
                   </a:solidFill>
@@ -17106,7 +17172,7 @@
             </a:ln>
             <a:extLst>
               <a:ext uri="{91240B29-F687-4f45-9708-019B960494DF}">
-                <a14:hiddenLine xmlns="" xmlns:p14="http://schemas.microsoft.com/office/powerpoint/2010/main" xmlns:a14="http://schemas.microsoft.com/office/drawing/2010/main" w="9525">
+                <a14:hiddenLine xmlns:a14="http://schemas.microsoft.com/office/drawing/2010/main" xmlns:p14="http://schemas.microsoft.com/office/powerpoint/2010/main" xmlns="" w="9525">
                   <a:solidFill>
                     <a:srgbClr val="000000"/>
                   </a:solidFill>
@@ -17180,7 +17246,7 @@
             </a:ln>
             <a:extLst>
               <a:ext uri="{91240B29-F687-4f45-9708-019B960494DF}">
-                <a14:hiddenLine xmlns="" xmlns:p14="http://schemas.microsoft.com/office/powerpoint/2010/main" xmlns:a14="http://schemas.microsoft.com/office/drawing/2010/main" w="9525">
+                <a14:hiddenLine xmlns:a14="http://schemas.microsoft.com/office/drawing/2010/main" xmlns:p14="http://schemas.microsoft.com/office/powerpoint/2010/main" xmlns="" w="9525">
                   <a:solidFill>
                     <a:srgbClr val="000000"/>
                   </a:solidFill>
@@ -17254,7 +17320,7 @@
             </a:ln>
             <a:extLst>
               <a:ext uri="{91240B29-F687-4f45-9708-019B960494DF}">
-                <a14:hiddenLine xmlns="" xmlns:p14="http://schemas.microsoft.com/office/powerpoint/2010/main" xmlns:a14="http://schemas.microsoft.com/office/drawing/2010/main" w="9525">
+                <a14:hiddenLine xmlns:a14="http://schemas.microsoft.com/office/drawing/2010/main" xmlns:p14="http://schemas.microsoft.com/office/powerpoint/2010/main" xmlns="" w="9525">
                   <a:solidFill>
                     <a:srgbClr val="000000"/>
                   </a:solidFill>
@@ -17356,7 +17422,7 @@
             </a:ln>
             <a:extLst>
               <a:ext uri="{91240B29-F687-4f45-9708-019B960494DF}">
-                <a14:hiddenLine xmlns="" xmlns:p14="http://schemas.microsoft.com/office/powerpoint/2010/main" xmlns:a14="http://schemas.microsoft.com/office/drawing/2010/main" w="9525">
+                <a14:hiddenLine xmlns:a14="http://schemas.microsoft.com/office/drawing/2010/main" xmlns:p14="http://schemas.microsoft.com/office/powerpoint/2010/main" xmlns="" w="9525">
                   <a:solidFill>
                     <a:srgbClr val="000000"/>
                   </a:solidFill>
@@ -17402,7 +17468,7 @@
             </a:ln>
             <a:extLst>
               <a:ext uri="{91240B29-F687-4f45-9708-019B960494DF}">
-                <a14:hiddenLine xmlns="" xmlns:p14="http://schemas.microsoft.com/office/powerpoint/2010/main" xmlns:a14="http://schemas.microsoft.com/office/drawing/2010/main" w="9525">
+                <a14:hiddenLine xmlns:a14="http://schemas.microsoft.com/office/drawing/2010/main" xmlns:p14="http://schemas.microsoft.com/office/powerpoint/2010/main" xmlns="" w="9525">
                   <a:solidFill>
                     <a:srgbClr val="000000"/>
                   </a:solidFill>
@@ -17479,7 +17545,7 @@
             </a:ln>
             <a:extLst>
               <a:ext uri="{91240B29-F687-4f45-9708-019B960494DF}">
-                <a14:hiddenLine xmlns="" xmlns:p14="http://schemas.microsoft.com/office/powerpoint/2010/main" xmlns:a14="http://schemas.microsoft.com/office/drawing/2010/main" w="9525">
+                <a14:hiddenLine xmlns:a14="http://schemas.microsoft.com/office/drawing/2010/main" xmlns:p14="http://schemas.microsoft.com/office/powerpoint/2010/main" xmlns="" w="9525">
                   <a:solidFill>
                     <a:srgbClr val="000000"/>
                   </a:solidFill>
@@ -17581,7 +17647,7 @@
             </a:ln>
             <a:extLst>
               <a:ext uri="{91240B29-F687-4f45-9708-019B960494DF}">
-                <a14:hiddenLine xmlns="" xmlns:p14="http://schemas.microsoft.com/office/powerpoint/2010/main" xmlns:a14="http://schemas.microsoft.com/office/drawing/2010/main" w="9525">
+                <a14:hiddenLine xmlns:a14="http://schemas.microsoft.com/office/drawing/2010/main" xmlns:p14="http://schemas.microsoft.com/office/powerpoint/2010/main" xmlns="" w="9525">
                   <a:solidFill>
                     <a:srgbClr val="000000"/>
                   </a:solidFill>
@@ -17655,7 +17721,7 @@
             </a:ln>
             <a:extLst>
               <a:ext uri="{91240B29-F687-4f45-9708-019B960494DF}">
-                <a14:hiddenLine xmlns="" xmlns:p14="http://schemas.microsoft.com/office/powerpoint/2010/main" xmlns:a14="http://schemas.microsoft.com/office/drawing/2010/main" w="9525">
+                <a14:hiddenLine xmlns:a14="http://schemas.microsoft.com/office/drawing/2010/main" xmlns:p14="http://schemas.microsoft.com/office/powerpoint/2010/main" xmlns="" w="9525">
                   <a:solidFill>
                     <a:srgbClr val="000000"/>
                   </a:solidFill>
@@ -17757,7 +17823,7 @@
             </a:ln>
             <a:extLst>
               <a:ext uri="{91240B29-F687-4f45-9708-019B960494DF}">
-                <a14:hiddenLine xmlns="" xmlns:p14="http://schemas.microsoft.com/office/powerpoint/2010/main" xmlns:a14="http://schemas.microsoft.com/office/drawing/2010/main" w="9525">
+                <a14:hiddenLine xmlns:a14="http://schemas.microsoft.com/office/drawing/2010/main" xmlns:p14="http://schemas.microsoft.com/office/powerpoint/2010/main" xmlns="" w="9525">
                   <a:solidFill>
                     <a:srgbClr val="000000"/>
                   </a:solidFill>
@@ -17834,7 +17900,7 @@
             </a:ln>
             <a:extLst>
               <a:ext uri="{91240B29-F687-4f45-9708-019B960494DF}">
-                <a14:hiddenLine xmlns="" xmlns:p14="http://schemas.microsoft.com/office/powerpoint/2010/main" xmlns:a14="http://schemas.microsoft.com/office/drawing/2010/main" w="9525">
+                <a14:hiddenLine xmlns:a14="http://schemas.microsoft.com/office/drawing/2010/main" xmlns:p14="http://schemas.microsoft.com/office/powerpoint/2010/main" xmlns="" w="9525">
                   <a:solidFill>
                     <a:srgbClr val="000000"/>
                   </a:solidFill>
@@ -17908,7 +17974,7 @@
             </a:ln>
             <a:extLst>
               <a:ext uri="{91240B29-F687-4f45-9708-019B960494DF}">
-                <a14:hiddenLine xmlns="" xmlns:p14="http://schemas.microsoft.com/office/powerpoint/2010/main" xmlns:a14="http://schemas.microsoft.com/office/drawing/2010/main" w="9525">
+                <a14:hiddenLine xmlns:a14="http://schemas.microsoft.com/office/drawing/2010/main" xmlns:p14="http://schemas.microsoft.com/office/powerpoint/2010/main" xmlns="" w="9525">
                   <a:solidFill>
                     <a:srgbClr val="000000"/>
                   </a:solidFill>
@@ -18010,7 +18076,7 @@
             </a:ln>
             <a:extLst>
               <a:ext uri="{91240B29-F687-4f45-9708-019B960494DF}">
-                <a14:hiddenLine xmlns="" xmlns:p14="http://schemas.microsoft.com/office/powerpoint/2010/main" xmlns:a14="http://schemas.microsoft.com/office/drawing/2010/main" w="9525">
+                <a14:hiddenLine xmlns:a14="http://schemas.microsoft.com/office/drawing/2010/main" xmlns:p14="http://schemas.microsoft.com/office/powerpoint/2010/main" xmlns="" w="9525">
                   <a:solidFill>
                     <a:srgbClr val="000000"/>
                   </a:solidFill>
@@ -18112,7 +18178,7 @@
             </a:ln>
             <a:extLst>
               <a:ext uri="{91240B29-F687-4f45-9708-019B960494DF}">
-                <a14:hiddenLine xmlns="" xmlns:p14="http://schemas.microsoft.com/office/powerpoint/2010/main" xmlns:a14="http://schemas.microsoft.com/office/drawing/2010/main" w="9525">
+                <a14:hiddenLine xmlns:a14="http://schemas.microsoft.com/office/drawing/2010/main" xmlns:p14="http://schemas.microsoft.com/office/powerpoint/2010/main" xmlns="" w="9525">
                   <a:solidFill>
                     <a:srgbClr val="000000"/>
                   </a:solidFill>
@@ -18189,7 +18255,7 @@
             </a:ln>
             <a:extLst>
               <a:ext uri="{91240B29-F687-4f45-9708-019B960494DF}">
-                <a14:hiddenLine xmlns="" xmlns:p14="http://schemas.microsoft.com/office/powerpoint/2010/main" xmlns:a14="http://schemas.microsoft.com/office/drawing/2010/main" w="9525">
+                <a14:hiddenLine xmlns:a14="http://schemas.microsoft.com/office/drawing/2010/main" xmlns:p14="http://schemas.microsoft.com/office/powerpoint/2010/main" xmlns="" w="9525">
                   <a:solidFill>
                     <a:srgbClr val="000000"/>
                   </a:solidFill>
@@ -18321,7 +18387,7 @@
             </a:ln>
             <a:extLst>
               <a:ext uri="{91240B29-F687-4f45-9708-019B960494DF}">
-                <a14:hiddenLine xmlns="" xmlns:p14="http://schemas.microsoft.com/office/powerpoint/2010/main" xmlns:a14="http://schemas.microsoft.com/office/drawing/2010/main" w="9525">
+                <a14:hiddenLine xmlns:a14="http://schemas.microsoft.com/office/drawing/2010/main" xmlns:p14="http://schemas.microsoft.com/office/powerpoint/2010/main" xmlns="" w="9525">
                   <a:solidFill>
                     <a:srgbClr val="000000"/>
                   </a:solidFill>
@@ -18363,10 +18429,13 @@
           <a:lstStyle/>
           <a:p>
             <a:r>
-              <a:rPr lang="en-US" sz="5400" dirty="0"/>
-              <a:t>Purpose</a:t>
+              <a:rPr lang="en-US" sz="6000" dirty="0"/>
+              <a:t>P</a:t>
             </a:r>
-            <a:endParaRPr lang="en-US" sz="4400" dirty="0"/>
+            <a:r>
+              <a:rPr lang="en-US" sz="4800" dirty="0"/>
+              <a:t>urpose</a:t>
+            </a:r>
           </a:p>
         </p:txBody>
       </p:sp>
@@ -18592,21 +18661,26 @@
         </p:nvSpPr>
         <p:spPr>
           <a:xfrm>
-            <a:off x="1141412" y="178121"/>
-            <a:ext cx="9905998" cy="1478570"/>
+            <a:off x="4940633" y="0"/>
+            <a:ext cx="2310734" cy="923330"/>
           </a:xfrm>
         </p:spPr>
         <p:txBody>
-          <a:bodyPr>
-            <a:normAutofit/>
+          <a:bodyPr wrap="square">
+            <a:spAutoFit/>
           </a:bodyPr>
           <a:lstStyle/>
           <a:p>
             <a:pPr algn="ctr"/>
             <a:r>
+              <a:rPr lang="en-US" sz="6000" dirty="0"/>
+              <a:t>B</a:t>
+            </a:r>
+            <a:r>
               <a:rPr lang="en-US" sz="4800" dirty="0"/>
-              <a:t>Budget</a:t>
+              <a:t>udget</a:t>
             </a:r>
+            <a:endParaRPr lang="en-US" sz="6000" dirty="0"/>
           </a:p>
         </p:txBody>
       </p:sp>
@@ -18634,8 +18708,8 @@
         </p:blipFill>
         <p:spPr>
           <a:xfrm>
-            <a:off x="1320544" y="1291268"/>
-            <a:ext cx="9547734" cy="5388611"/>
+            <a:off x="941490" y="861609"/>
+            <a:ext cx="10309020" cy="5818270"/>
           </a:xfrm>
           <a:prstGeom prst="rect">
             <a:avLst/>
@@ -18690,8 +18764,8 @@
         </p:nvSpPr>
         <p:spPr>
           <a:xfrm>
-            <a:off x="1143001" y="2689715"/>
-            <a:ext cx="9905998" cy="1478570"/>
+            <a:off x="194855" y="2082909"/>
+            <a:ext cx="11802290" cy="2692182"/>
           </a:xfrm>
         </p:spPr>
         <p:txBody>
@@ -18702,9 +18776,30 @@
           <a:p>
             <a:pPr algn="ctr"/>
             <a:r>
-              <a:rPr lang="en-US" sz="5400" dirty="0"/>
-              <a:t>Time for a Demonstration</a:t>
+              <a:rPr lang="en-US" sz="8000" dirty="0"/>
+              <a:t>T</a:t>
             </a:r>
+            <a:r>
+              <a:rPr lang="en-US" sz="6600" dirty="0"/>
+              <a:t>ime</a:t>
+            </a:r>
+            <a:r>
+              <a:rPr lang="en-US" sz="8000" dirty="0"/>
+              <a:t> f</a:t>
+            </a:r>
+            <a:r>
+              <a:rPr lang="en-US" sz="6600" dirty="0"/>
+              <a:t>or</a:t>
+            </a:r>
+            <a:r>
+              <a:rPr lang="en-US" sz="8000" dirty="0"/>
+              <a:t> a D</a:t>
+            </a:r>
+            <a:r>
+              <a:rPr lang="en-US" sz="6600" dirty="0"/>
+              <a:t>emonstration</a:t>
+            </a:r>
+            <a:endParaRPr lang="en-US" sz="8000" dirty="0"/>
           </a:p>
         </p:txBody>
       </p:sp>
@@ -18756,8 +18851,8 @@
         </p:nvSpPr>
         <p:spPr>
           <a:xfrm>
-            <a:off x="1141407" y="235526"/>
-            <a:ext cx="5934508" cy="1639886"/>
+            <a:off x="1141406" y="235526"/>
+            <a:ext cx="7388639" cy="1475708"/>
           </a:xfrm>
         </p:spPr>
         <p:txBody>
@@ -18767,9 +18862,22 @@
           <a:lstStyle/>
           <a:p>
             <a:r>
+              <a:rPr lang="en-US" sz="6000" dirty="0"/>
+              <a:t>U</a:t>
+            </a:r>
+            <a:r>
               <a:rPr lang="en-US" sz="4800" dirty="0"/>
-              <a:t>Useful prerequisites</a:t>
+              <a:t>seful</a:t>
             </a:r>
+            <a:r>
+              <a:rPr lang="en-US" sz="6000" dirty="0"/>
+              <a:t> p</a:t>
+            </a:r>
+            <a:r>
+              <a:rPr lang="en-US" sz="4800" dirty="0"/>
+              <a:t>rerequisites</a:t>
+            </a:r>
+            <a:endParaRPr lang="en-US" sz="6000" dirty="0"/>
           </a:p>
         </p:txBody>
       </p:sp>
